--- a/src/Tallinn Manual.pptx
+++ b/src/Tallinn Manual.pptx
@@ -5,19 +5,24 @@
     <p:sldMasterId id="2147483684" r:id="rId4"/>
   </p:sldMasterIdLst>
   <p:notesMasterIdLst>
-    <p:notesMasterId r:id="rId12"/>
+    <p:notesMasterId r:id="rId17"/>
   </p:notesMasterIdLst>
   <p:handoutMasterIdLst>
-    <p:handoutMasterId r:id="rId13"/>
+    <p:handoutMasterId r:id="rId18"/>
   </p:handoutMasterIdLst>
   <p:sldIdLst>
     <p:sldId id="257" r:id="rId5"/>
     <p:sldId id="384" r:id="rId6"/>
     <p:sldId id="393" r:id="rId7"/>
-    <p:sldId id="281" r:id="rId8"/>
-    <p:sldId id="394" r:id="rId9"/>
-    <p:sldId id="392" r:id="rId10"/>
-    <p:sldId id="391" r:id="rId11"/>
+    <p:sldId id="400" r:id="rId8"/>
+    <p:sldId id="281" r:id="rId9"/>
+    <p:sldId id="394" r:id="rId10"/>
+    <p:sldId id="395" r:id="rId11"/>
+    <p:sldId id="397" r:id="rId12"/>
+    <p:sldId id="398" r:id="rId13"/>
+    <p:sldId id="399" r:id="rId14"/>
+    <p:sldId id="392" r:id="rId15"/>
+    <p:sldId id="391" r:id="rId16"/>
   </p:sldIdLst>
   <p:sldSz cx="12192000" cy="6858000"/>
   <p:notesSz cx="6858000" cy="9144000"/>
@@ -232,7 +237,7 @@
           <a:p>
             <a:fld id="{C17F2C1D-F243-42AB-ADF2-E7CB4E04900E}" type="datetimeFigureOut">
               <a:rPr lang="en-US" smtClean="0"/>
-              <a:t>9/13/2022</a:t>
+              <a:t>9/14/2022</a:t>
             </a:fld>
             <a:endParaRPr lang="en-US"/>
           </a:p>
@@ -409,7 +414,7 @@
           <a:p>
             <a:fld id="{020CE34E-5667-4A32-A6BA-10C7A552BC63}" type="datetimeFigureOut">
               <a:rPr lang="en-US" smtClean="0"/>
-              <a:t>9/13/2022</a:t>
+              <a:t>9/14/2022</a:t>
             </a:fld>
             <a:endParaRPr lang="en-US"/>
           </a:p>
@@ -2741,7 +2746,7 @@
           <a:p>
             <a:fld id="{345D6B84-830F-489C-A277-865E641E97F7}" type="datetime1">
               <a:rPr lang="en-US" smtClean="0"/>
-              <a:t>9/13/2022</a:t>
+              <a:t>9/14/2022</a:t>
             </a:fld>
             <a:endParaRPr lang="en-US" dirty="0"/>
           </a:p>
@@ -2993,7 +2998,7 @@
           <a:p>
             <a:fld id="{6E119AB5-A7F6-4ECF-952B-125561BF6C5C}" type="datetime1">
               <a:rPr lang="en-US" smtClean="0"/>
-              <a:t>9/13/2022</a:t>
+              <a:t>9/14/2022</a:t>
             </a:fld>
             <a:endParaRPr lang="en-US"/>
           </a:p>
@@ -4090,7 +4095,7 @@
           <a:p>
             <a:fld id="{4D0190BA-39F1-4D2D-BD5E-961D287AF9F6}" type="datetime1">
               <a:rPr lang="en-US" smtClean="0"/>
-              <a:t>9/13/2022</a:t>
+              <a:t>9/14/2022</a:t>
             </a:fld>
             <a:endParaRPr lang="en-US"/>
           </a:p>
@@ -4425,7 +4430,7 @@
           <a:p>
             <a:fld id="{3AA9BE12-0D89-4E2E-B34C-DE73AD2E88FD}" type="datetime1">
               <a:rPr lang="en-US" smtClean="0"/>
-              <a:t>9/13/2022</a:t>
+              <a:t>9/14/2022</a:t>
             </a:fld>
             <a:endParaRPr lang="en-US" dirty="0"/>
           </a:p>
@@ -5952,7 +5957,7 @@
           <a:p>
             <a:fld id="{940B9C69-463B-4C41-B39D-403058719D97}" type="datetime1">
               <a:rPr lang="en-US" smtClean="0"/>
-              <a:t>9/13/2022</a:t>
+              <a:t>9/14/2022</a:t>
             </a:fld>
             <a:endParaRPr lang="en-US"/>
           </a:p>
@@ -6074,7 +6079,7 @@
           <a:p>
             <a:fld id="{2AD89D54-8768-4462-831F-11B2BE138FFB}" type="datetime1">
               <a:rPr lang="en-US" smtClean="0"/>
-              <a:t>9/13/2022</a:t>
+              <a:t>9/14/2022</a:t>
             </a:fld>
             <a:endParaRPr lang="en-US"/>
           </a:p>
@@ -6728,7 +6733,7 @@
           <a:p>
             <a:fld id="{A893EC58-EDD0-467E-B9A9-B922B0E637A6}" type="datetime1">
               <a:rPr lang="en-US" smtClean="0"/>
-              <a:t>9/13/2022</a:t>
+              <a:t>9/14/2022</a:t>
             </a:fld>
             <a:endParaRPr lang="en-US"/>
           </a:p>
@@ -7234,7 +7239,7 @@
           <a:p>
             <a:fld id="{7D8224C8-343C-499E-8EF4-9AB46EAA40F8}" type="datetime1">
               <a:rPr lang="en-US" smtClean="0"/>
-              <a:t>9/13/2022</a:t>
+              <a:t>9/14/2022</a:t>
             </a:fld>
             <a:endParaRPr lang="en-US"/>
           </a:p>
@@ -7958,7 +7963,7 @@
           <a:p>
             <a:fld id="{E4C8354B-D90F-443A-9E09-827CFACEBCFA}" type="datetime1">
               <a:rPr lang="en-US" smtClean="0"/>
-              <a:t>9/13/2022</a:t>
+              <a:t>9/14/2022</a:t>
             </a:fld>
             <a:endParaRPr lang="en-US"/>
           </a:p>
@@ -8180,7 +8185,7 @@
           <a:p>
             <a:fld id="{DE2624E8-21F3-4363-BCD6-B0365813BA59}" type="datetime1">
               <a:rPr lang="en-US" smtClean="0"/>
-              <a:t>9/13/2022</a:t>
+              <a:t>9/14/2022</a:t>
             </a:fld>
             <a:endParaRPr lang="en-US"/>
           </a:p>
@@ -9280,7 +9285,7 @@
           <a:p>
             <a:fld id="{0E2DE241-4DDF-4071-9C6C-7F97043FB3DC}" type="datetime1">
               <a:rPr lang="en-US" smtClean="0"/>
-              <a:t>9/13/2022</a:t>
+              <a:t>9/14/2022</a:t>
             </a:fld>
             <a:endParaRPr lang="en-US"/>
           </a:p>
@@ -10145,7 +10150,7 @@
           <a:p>
             <a:fld id="{9552437E-E19A-428E-AAC1-46A9A49E35BF}" type="datetime1">
               <a:rPr lang="en-US" smtClean="0"/>
-              <a:t>9/13/2022</a:t>
+              <a:t>9/14/2022</a:t>
             </a:fld>
             <a:endParaRPr lang="en-US"/>
           </a:p>
@@ -11385,7 +11390,7 @@
           <a:p>
             <a:fld id="{397DF7BC-569D-468C-AB93-C60E38295A45}" type="datetime1">
               <a:rPr lang="en-US" smtClean="0"/>
-              <a:t>9/13/2022</a:t>
+              <a:t>9/14/2022</a:t>
             </a:fld>
             <a:endParaRPr lang="en-US" dirty="0"/>
           </a:p>
@@ -11975,7 +11980,7 @@
           <a:p>
             <a:fld id="{641F42C2-B086-4382-9D52-C86DBB6C6019}" type="datetime1">
               <a:rPr lang="en-US" smtClean="0"/>
-              <a:t>9/13/2022</a:t>
+              <a:t>9/14/2022</a:t>
             </a:fld>
             <a:endParaRPr lang="en-US"/>
           </a:p>
@@ -12233,7 +12238,7 @@
           <a:p>
             <a:fld id="{C49DAAEC-0DBC-4AB4-87AE-16E00FD042DB}" type="datetime1">
               <a:rPr lang="en-US" smtClean="0"/>
-              <a:t>9/13/2022</a:t>
+              <a:t>9/14/2022</a:t>
             </a:fld>
             <a:endParaRPr lang="en-US" dirty="0"/>
           </a:p>
@@ -13253,6 +13258,899 @@
 </p:sld>
 </file>
 
+<file path=ppt/slides/slide10.xml><?xml version="1.0" encoding="utf-8"?>
+<p:sld xmlns:a="http://schemas.openxmlformats.org/drawingml/2006/main" xmlns:r="http://schemas.openxmlformats.org/officeDocument/2006/relationships" xmlns:p="http://schemas.openxmlformats.org/presentationml/2006/main">
+  <p:cSld>
+    <p:spTree>
+      <p:nvGrpSpPr>
+        <p:cNvPr id="1" name=""/>
+        <p:cNvGrpSpPr/>
+        <p:nvPr/>
+      </p:nvGrpSpPr>
+      <p:grpSpPr>
+        <a:xfrm>
+          <a:off x="0" y="0"/>
+          <a:ext cx="0" cy="0"/>
+          <a:chOff x="0" y="0"/>
+          <a:chExt cx="0" cy="0"/>
+        </a:xfrm>
+      </p:grpSpPr>
+      <p:sp>
+        <p:nvSpPr>
+          <p:cNvPr id="7" name="Title 6">
+            <a:extLst>
+              <a:ext uri="{FF2B5EF4-FFF2-40B4-BE49-F238E27FC236}">
+                <a16:creationId xmlns:a16="http://schemas.microsoft.com/office/drawing/2014/main" id="{47788B34-4190-4916-9048-47720EA5ABF1}"/>
+              </a:ext>
+            </a:extLst>
+          </p:cNvPr>
+          <p:cNvSpPr>
+            <a:spLocks noGrp="1"/>
+          </p:cNvSpPr>
+          <p:nvPr>
+            <p:ph type="title"/>
+          </p:nvPr>
+        </p:nvSpPr>
+        <p:spPr>
+          <a:xfrm>
+            <a:off x="550862" y="549275"/>
+            <a:ext cx="11097551" cy="1332000"/>
+          </a:xfrm>
+        </p:spPr>
+        <p:txBody>
+          <a:bodyPr/>
+          <a:lstStyle/>
+          <a:p>
+            <a:r>
+              <a:rPr lang="en-US" dirty="0"/>
+              <a:t>Major Parts and Sections (cont.)</a:t>
+            </a:r>
+          </a:p>
+        </p:txBody>
+      </p:sp>
+      <p:sp>
+        <p:nvSpPr>
+          <p:cNvPr id="8" name="Text Placeholder 7">
+            <a:extLst>
+              <a:ext uri="{FF2B5EF4-FFF2-40B4-BE49-F238E27FC236}">
+                <a16:creationId xmlns:a16="http://schemas.microsoft.com/office/drawing/2014/main" id="{ABA415A0-3B77-43FB-A408-5F1DA4B0AAFA}"/>
+              </a:ext>
+            </a:extLst>
+          </p:cNvPr>
+          <p:cNvSpPr>
+            <a:spLocks noGrp="1"/>
+          </p:cNvSpPr>
+          <p:nvPr>
+            <p:ph type="body" idx="1"/>
+          </p:nvPr>
+        </p:nvSpPr>
+        <p:spPr>
+          <a:xfrm>
+            <a:off x="550864" y="1731375"/>
+            <a:ext cx="3563936" cy="535354"/>
+          </a:xfrm>
+        </p:spPr>
+        <p:txBody>
+          <a:bodyPr/>
+          <a:lstStyle/>
+          <a:p>
+            <a:r>
+              <a:rPr lang="en-US" sz="1600" dirty="0"/>
+              <a:t>The conduct of attacks and indiscriminate means</a:t>
+            </a:r>
+          </a:p>
+        </p:txBody>
+      </p:sp>
+      <p:sp>
+        <p:nvSpPr>
+          <p:cNvPr id="9" name="Content Placeholder 8">
+            <a:extLst>
+              <a:ext uri="{FF2B5EF4-FFF2-40B4-BE49-F238E27FC236}">
+                <a16:creationId xmlns:a16="http://schemas.microsoft.com/office/drawing/2014/main" id="{8598ECEC-4413-4244-8F21-0076EC511806}"/>
+              </a:ext>
+            </a:extLst>
+          </p:cNvPr>
+          <p:cNvSpPr>
+            <a:spLocks noGrp="1"/>
+          </p:cNvSpPr>
+          <p:nvPr>
+            <p:ph sz="half" idx="2"/>
+          </p:nvPr>
+        </p:nvSpPr>
+        <p:spPr>
+          <a:xfrm>
+            <a:off x="559476" y="2432304"/>
+            <a:ext cx="3563936" cy="3515555"/>
+          </a:xfrm>
+        </p:spPr>
+        <p:txBody>
+          <a:bodyPr>
+            <a:normAutofit/>
+          </a:bodyPr>
+          <a:lstStyle/>
+          <a:p>
+            <a:r>
+              <a:rPr lang="en-US" dirty="0"/>
+              <a:t>Indiscriminate attacks that successfully target legitimate military objectives are prohibited because they are not aimed at a specific target (consider a war crime)</a:t>
+            </a:r>
+          </a:p>
+          <a:p>
+            <a:r>
+              <a:rPr lang="en-US" dirty="0"/>
+              <a:t> Attackers can’t do significant damage to civilians in order to gain a minor military advantage</a:t>
+            </a:r>
+          </a:p>
+        </p:txBody>
+      </p:sp>
+      <p:sp>
+        <p:nvSpPr>
+          <p:cNvPr id="12" name="Text Placeholder 11">
+            <a:extLst>
+              <a:ext uri="{FF2B5EF4-FFF2-40B4-BE49-F238E27FC236}">
+                <a16:creationId xmlns:a16="http://schemas.microsoft.com/office/drawing/2014/main" id="{3A63626D-0E6E-4023-ABFC-A744C9862159}"/>
+              </a:ext>
+            </a:extLst>
+          </p:cNvPr>
+          <p:cNvSpPr>
+            <a:spLocks noGrp="1"/>
+          </p:cNvSpPr>
+          <p:nvPr>
+            <p:ph type="body" sz="quarter" idx="13"/>
+          </p:nvPr>
+        </p:nvSpPr>
+        <p:spPr>
+          <a:xfrm>
+            <a:off x="4341573" y="1731375"/>
+            <a:ext cx="3566160" cy="535354"/>
+          </a:xfrm>
+        </p:spPr>
+        <p:txBody>
+          <a:bodyPr/>
+          <a:lstStyle/>
+          <a:p>
+            <a:r>
+              <a:rPr lang="en-US" sz="1600" dirty="0"/>
+              <a:t>Espionage, treachery, and ruses</a:t>
+            </a:r>
+          </a:p>
+        </p:txBody>
+      </p:sp>
+      <p:sp>
+        <p:nvSpPr>
+          <p:cNvPr id="13" name="Content Placeholder 12">
+            <a:extLst>
+              <a:ext uri="{FF2B5EF4-FFF2-40B4-BE49-F238E27FC236}">
+                <a16:creationId xmlns:a16="http://schemas.microsoft.com/office/drawing/2014/main" id="{258E9390-685C-4BAD-BFAD-EC56E81C4745}"/>
+              </a:ext>
+            </a:extLst>
+          </p:cNvPr>
+          <p:cNvSpPr>
+            <a:spLocks noGrp="1"/>
+          </p:cNvSpPr>
+          <p:nvPr>
+            <p:ph sz="quarter" idx="14"/>
+          </p:nvPr>
+        </p:nvSpPr>
+        <p:spPr>
+          <a:xfrm>
+            <a:off x="4341573" y="2427370"/>
+            <a:ext cx="3508755" cy="3515555"/>
+          </a:xfrm>
+        </p:spPr>
+        <p:txBody>
+          <a:bodyPr>
+            <a:normAutofit fontScale="92500"/>
+          </a:bodyPr>
+          <a:lstStyle/>
+          <a:p>
+            <a:pPr lvl="0"/>
+            <a:r>
+              <a:rPr lang="en-US" dirty="0"/>
+              <a:t>Falsely identifying computer systems as the protected system (such s medical personnel, civilians' system or infrastructure to avoid attack) would constitute treachery</a:t>
+            </a:r>
+          </a:p>
+          <a:p>
+            <a:pPr lvl="0"/>
+            <a:r>
+              <a:rPr lang="en-US" dirty="0"/>
+              <a:t>Ruses is intended to mislead an enemy without violating the law of war</a:t>
+            </a:r>
+          </a:p>
+          <a:p>
+            <a:pPr lvl="0"/>
+            <a:r>
+              <a:rPr lang="en-US" dirty="0"/>
+              <a:t>Espionage and treachery exist outside of most of the commonly accepted laws of international warfare</a:t>
+            </a:r>
+          </a:p>
+        </p:txBody>
+      </p:sp>
+      <p:sp>
+        <p:nvSpPr>
+          <p:cNvPr id="10" name="Text Placeholder 9">
+            <a:extLst>
+              <a:ext uri="{FF2B5EF4-FFF2-40B4-BE49-F238E27FC236}">
+                <a16:creationId xmlns:a16="http://schemas.microsoft.com/office/drawing/2014/main" id="{34A9BC34-CFDB-4D7A-8D6C-1CE608D0909F}"/>
+              </a:ext>
+            </a:extLst>
+          </p:cNvPr>
+          <p:cNvSpPr>
+            <a:spLocks noGrp="1"/>
+          </p:cNvSpPr>
+          <p:nvPr>
+            <p:ph type="body" sz="quarter" idx="3"/>
+          </p:nvPr>
+        </p:nvSpPr>
+        <p:spPr>
+          <a:xfrm>
+            <a:off x="8134506" y="1731375"/>
+            <a:ext cx="3855490" cy="535354"/>
+          </a:xfrm>
+        </p:spPr>
+        <p:txBody>
+          <a:bodyPr/>
+          <a:lstStyle/>
+          <a:p>
+            <a:r>
+              <a:rPr lang="en-US" sz="1600" dirty="0"/>
+              <a:t>neutrality</a:t>
+            </a:r>
+          </a:p>
+        </p:txBody>
+      </p:sp>
+      <p:sp>
+        <p:nvSpPr>
+          <p:cNvPr id="11" name="Content Placeholder 10">
+            <a:extLst>
+              <a:ext uri="{FF2B5EF4-FFF2-40B4-BE49-F238E27FC236}">
+                <a16:creationId xmlns:a16="http://schemas.microsoft.com/office/drawing/2014/main" id="{1D014E48-5DD9-49CE-AD5B-0FEF69204F68}"/>
+              </a:ext>
+            </a:extLst>
+          </p:cNvPr>
+          <p:cNvSpPr>
+            <a:spLocks noGrp="1"/>
+          </p:cNvSpPr>
+          <p:nvPr>
+            <p:ph sz="quarter" idx="4"/>
+          </p:nvPr>
+        </p:nvSpPr>
+        <p:spPr>
+          <a:xfrm>
+            <a:off x="8168361" y="2427371"/>
+            <a:ext cx="3821635" cy="3529546"/>
+          </a:xfrm>
+        </p:spPr>
+        <p:txBody>
+          <a:bodyPr>
+            <a:normAutofit/>
+          </a:bodyPr>
+          <a:lstStyle/>
+          <a:p>
+            <a:pPr lvl="0"/>
+            <a:r>
+              <a:rPr lang="en-US" dirty="0"/>
+              <a:t>Neutral states are protected and can continue to conduct their normal activities without interference from combatants. </a:t>
+            </a:r>
+          </a:p>
+          <a:p>
+            <a:pPr lvl="0"/>
+            <a:r>
+              <a:rPr lang="en-US" dirty="0"/>
+              <a:t>They must prevent combatants from using infrastructure that is under neutral’ sovereign control</a:t>
+            </a:r>
+          </a:p>
+        </p:txBody>
+      </p:sp>
+      <p:sp>
+        <p:nvSpPr>
+          <p:cNvPr id="14" name="Date Placeholder 13">
+            <a:extLst>
+              <a:ext uri="{FF2B5EF4-FFF2-40B4-BE49-F238E27FC236}">
+                <a16:creationId xmlns:a16="http://schemas.microsoft.com/office/drawing/2014/main" id="{D236478C-E242-44E0-8357-C72C9B588CA7}"/>
+              </a:ext>
+            </a:extLst>
+          </p:cNvPr>
+          <p:cNvSpPr>
+            <a:spLocks noGrp="1"/>
+          </p:cNvSpPr>
+          <p:nvPr>
+            <p:ph type="dt" sz="half" idx="10"/>
+          </p:nvPr>
+        </p:nvSpPr>
+        <p:spPr>
+          <a:xfrm>
+            <a:off x="550863" y="6507212"/>
+            <a:ext cx="2628900" cy="153888"/>
+          </a:xfrm>
+        </p:spPr>
+        <p:txBody>
+          <a:bodyPr/>
+          <a:lstStyle/>
+          <a:p>
+            <a:fld id="{2DB0C850-7869-4950-94C3-0A5408435131}" type="datetime1">
+              <a:rPr lang="en-US" smtClean="0"/>
+              <a:t>9/14/2022</a:t>
+            </a:fld>
+            <a:endParaRPr lang="en-US" dirty="0"/>
+          </a:p>
+        </p:txBody>
+      </p:sp>
+      <p:sp>
+        <p:nvSpPr>
+          <p:cNvPr id="15" name="Footer Placeholder 14">
+            <a:extLst>
+              <a:ext uri="{FF2B5EF4-FFF2-40B4-BE49-F238E27FC236}">
+                <a16:creationId xmlns:a16="http://schemas.microsoft.com/office/drawing/2014/main" id="{65A6DC02-681E-4AF7-AC6E-57CDDB2FBA28}"/>
+              </a:ext>
+            </a:extLst>
+          </p:cNvPr>
+          <p:cNvSpPr>
+            <a:spLocks noGrp="1"/>
+          </p:cNvSpPr>
+          <p:nvPr>
+            <p:ph type="ftr" sz="quarter" idx="11"/>
+          </p:nvPr>
+        </p:nvSpPr>
+        <p:spPr>
+          <a:xfrm>
+            <a:off x="3359150" y="6507212"/>
+            <a:ext cx="6379210" cy="153888"/>
+          </a:xfrm>
+        </p:spPr>
+        <p:txBody>
+          <a:bodyPr/>
+          <a:lstStyle/>
+          <a:p>
+            <a:r>
+              <a:rPr lang="en-US"/>
+              <a:t>Tallinn Manual</a:t>
+            </a:r>
+          </a:p>
+        </p:txBody>
+      </p:sp>
+      <p:sp>
+        <p:nvSpPr>
+          <p:cNvPr id="16" name="Slide Number Placeholder 15">
+            <a:extLst>
+              <a:ext uri="{FF2B5EF4-FFF2-40B4-BE49-F238E27FC236}">
+                <a16:creationId xmlns:a16="http://schemas.microsoft.com/office/drawing/2014/main" id="{CF0A8666-4477-461C-A79D-E91232EE973E}"/>
+              </a:ext>
+            </a:extLst>
+          </p:cNvPr>
+          <p:cNvSpPr>
+            <a:spLocks noGrp="1"/>
+          </p:cNvSpPr>
+          <p:nvPr>
+            <p:ph type="sldNum" sz="quarter" idx="12"/>
+          </p:nvPr>
+        </p:nvSpPr>
+        <p:spPr>
+          <a:xfrm>
+            <a:off x="9948863" y="6507212"/>
+            <a:ext cx="1692274" cy="153888"/>
+          </a:xfrm>
+        </p:spPr>
+        <p:txBody>
+          <a:bodyPr/>
+          <a:lstStyle/>
+          <a:p>
+            <a:fld id="{DBA1B0FB-D917-4C8C-928F-313BD683BF39}" type="slidenum">
+              <a:rPr lang="en-US" smtClean="0"/>
+              <a:pPr/>
+              <a:t>10</a:t>
+            </a:fld>
+            <a:endParaRPr lang="en-US"/>
+          </a:p>
+        </p:txBody>
+      </p:sp>
+    </p:spTree>
+    <p:extLst>
+      <p:ext uri="{BB962C8B-B14F-4D97-AF65-F5344CB8AC3E}">
+        <p14:creationId xmlns:p14="http://schemas.microsoft.com/office/powerpoint/2010/main" val="2651337932"/>
+      </p:ext>
+    </p:extLst>
+  </p:cSld>
+  <p:clrMapOvr>
+    <a:masterClrMapping/>
+  </p:clrMapOvr>
+</p:sld>
+</file>
+
+<file path=ppt/slides/slide11.xml><?xml version="1.0" encoding="utf-8"?>
+<p:sld xmlns:a="http://schemas.openxmlformats.org/drawingml/2006/main" xmlns:r="http://schemas.openxmlformats.org/officeDocument/2006/relationships" xmlns:p="http://schemas.openxmlformats.org/presentationml/2006/main">
+  <p:cSld>
+    <p:spTree>
+      <p:nvGrpSpPr>
+        <p:cNvPr id="1" name=""/>
+        <p:cNvGrpSpPr/>
+        <p:nvPr/>
+      </p:nvGrpSpPr>
+      <p:grpSpPr>
+        <a:xfrm>
+          <a:off x="0" y="0"/>
+          <a:ext cx="0" cy="0"/>
+          <a:chOff x="0" y="0"/>
+          <a:chExt cx="0" cy="0"/>
+        </a:xfrm>
+      </p:grpSpPr>
+      <p:sp>
+        <p:nvSpPr>
+          <p:cNvPr id="2" name="Title 1">
+            <a:extLst>
+              <a:ext uri="{FF2B5EF4-FFF2-40B4-BE49-F238E27FC236}">
+                <a16:creationId xmlns:a16="http://schemas.microsoft.com/office/drawing/2014/main" id="{F2173950-7D76-1616-739E-F784B2C37015}"/>
+              </a:ext>
+            </a:extLst>
+          </p:cNvPr>
+          <p:cNvSpPr>
+            <a:spLocks noGrp="1"/>
+          </p:cNvSpPr>
+          <p:nvPr>
+            <p:ph type="title"/>
+          </p:nvPr>
+        </p:nvSpPr>
+        <p:spPr/>
+        <p:txBody>
+          <a:bodyPr/>
+          <a:lstStyle/>
+          <a:p>
+            <a:r>
+              <a:rPr lang="en-US" dirty="0"/>
+              <a:t>Reference</a:t>
+            </a:r>
+          </a:p>
+        </p:txBody>
+      </p:sp>
+      <p:sp>
+        <p:nvSpPr>
+          <p:cNvPr id="3" name="Content Placeholder 2">
+            <a:extLst>
+              <a:ext uri="{FF2B5EF4-FFF2-40B4-BE49-F238E27FC236}">
+                <a16:creationId xmlns:a16="http://schemas.microsoft.com/office/drawing/2014/main" id="{6325F5CB-62CD-AE8B-D8CB-08C27A0E0641}"/>
+              </a:ext>
+            </a:extLst>
+          </p:cNvPr>
+          <p:cNvSpPr>
+            <a:spLocks noGrp="1"/>
+          </p:cNvSpPr>
+          <p:nvPr>
+            <p:ph idx="1"/>
+          </p:nvPr>
+        </p:nvSpPr>
+        <p:spPr/>
+        <p:txBody>
+          <a:bodyPr/>
+          <a:lstStyle/>
+          <a:p>
+            <a:r>
+              <a:rPr lang="en-US" sz="1800" dirty="0">
+                <a:latin typeface="Times New Roman" panose="02020603050405020304" pitchFamily="18" charset="0"/>
+                <a:ea typeface="SimSun" panose="02010600030101010101" pitchFamily="2" charset="-122"/>
+                <a:cs typeface="Times New Roman" panose="02020603050405020304" pitchFamily="18" charset="0"/>
+              </a:rPr>
+              <a:t>Chapple, M., &amp; </a:t>
+            </a:r>
+            <a:r>
+              <a:rPr lang="en-US" sz="1800" dirty="0" err="1">
+                <a:latin typeface="Times New Roman" panose="02020603050405020304" pitchFamily="18" charset="0"/>
+                <a:ea typeface="SimSun" panose="02010600030101010101" pitchFamily="2" charset="-122"/>
+                <a:cs typeface="Times New Roman" panose="02020603050405020304" pitchFamily="18" charset="0"/>
+              </a:rPr>
+              <a:t>Seidl</a:t>
+            </a:r>
+            <a:r>
+              <a:rPr lang="en-US" sz="1800" dirty="0">
+                <a:latin typeface="Times New Roman" panose="02020603050405020304" pitchFamily="18" charset="0"/>
+                <a:ea typeface="SimSun" panose="02010600030101010101" pitchFamily="2" charset="-122"/>
+                <a:cs typeface="Times New Roman" panose="02020603050405020304" pitchFamily="18" charset="0"/>
+              </a:rPr>
+              <a:t>, D. (2023). Chapter 3: Cyberwarfare, Law, and Ethics. In Cyberwarfare: Information Operations in a Connected World (Second, pp. 9–20). essay, Jones &amp; Bartlett Learning. (1)</a:t>
+            </a:r>
+          </a:p>
+          <a:p>
+            <a:r>
+              <a:rPr lang="en-US" sz="1800" dirty="0">
+                <a:latin typeface="Times New Roman" panose="02020603050405020304" pitchFamily="18" charset="0"/>
+                <a:ea typeface="SimSun" panose="02010600030101010101" pitchFamily="2" charset="-122"/>
+                <a:cs typeface="Times New Roman" panose="02020603050405020304" pitchFamily="18" charset="0"/>
+              </a:rPr>
+              <a:t>Wikipedia (n.d.) Tallinn Manual., Retrieved from https://en.wikipedia.org/wiki/Tallinn_Manual (2)</a:t>
+            </a:r>
+          </a:p>
+          <a:p>
+            <a:endParaRPr lang="en-US" sz="1800" dirty="0">
+              <a:latin typeface="Times New Roman" panose="02020603050405020304" pitchFamily="18" charset="0"/>
+              <a:ea typeface="SimSun" panose="02010600030101010101" pitchFamily="2" charset="-122"/>
+              <a:cs typeface="Times New Roman" panose="02020603050405020304" pitchFamily="18" charset="0"/>
+            </a:endParaRPr>
+          </a:p>
+          <a:p>
+            <a:endParaRPr lang="en-US" sz="1800" dirty="0">
+              <a:latin typeface="Times New Roman" panose="02020603050405020304" pitchFamily="18" charset="0"/>
+              <a:ea typeface="SimSun" panose="02010600030101010101" pitchFamily="2" charset="-122"/>
+              <a:cs typeface="Times New Roman" panose="02020603050405020304" pitchFamily="18" charset="0"/>
+            </a:endParaRPr>
+          </a:p>
+          <a:p>
+            <a:endParaRPr lang="en-US" sz="1800" dirty="0">
+              <a:latin typeface="Times New Roman" panose="02020603050405020304" pitchFamily="18" charset="0"/>
+              <a:ea typeface="SimSun" panose="02010600030101010101" pitchFamily="2" charset="-122"/>
+              <a:cs typeface="Times New Roman" panose="02020603050405020304" pitchFamily="18" charset="0"/>
+            </a:endParaRPr>
+          </a:p>
+        </p:txBody>
+      </p:sp>
+      <p:sp>
+        <p:nvSpPr>
+          <p:cNvPr id="4" name="Date Placeholder 3">
+            <a:extLst>
+              <a:ext uri="{FF2B5EF4-FFF2-40B4-BE49-F238E27FC236}">
+                <a16:creationId xmlns:a16="http://schemas.microsoft.com/office/drawing/2014/main" id="{02A77700-B2F5-F9DD-2268-9129BECE5240}"/>
+              </a:ext>
+            </a:extLst>
+          </p:cNvPr>
+          <p:cNvSpPr>
+            <a:spLocks noGrp="1"/>
+          </p:cNvSpPr>
+          <p:nvPr>
+            <p:ph type="dt" sz="half" idx="10"/>
+          </p:nvPr>
+        </p:nvSpPr>
+        <p:spPr/>
+        <p:txBody>
+          <a:bodyPr/>
+          <a:lstStyle/>
+          <a:p>
+            <a:fld id="{0E2DE241-4DDF-4071-9C6C-7F97043FB3DC}" type="datetime1">
+              <a:rPr lang="en-US" smtClean="0"/>
+              <a:t>9/14/2022</a:t>
+            </a:fld>
+            <a:endParaRPr lang="en-US"/>
+          </a:p>
+        </p:txBody>
+      </p:sp>
+      <p:sp>
+        <p:nvSpPr>
+          <p:cNvPr id="5" name="Footer Placeholder 4">
+            <a:extLst>
+              <a:ext uri="{FF2B5EF4-FFF2-40B4-BE49-F238E27FC236}">
+                <a16:creationId xmlns:a16="http://schemas.microsoft.com/office/drawing/2014/main" id="{C304FD9F-DC0B-C66C-F381-DB5A91F4E594}"/>
+              </a:ext>
+            </a:extLst>
+          </p:cNvPr>
+          <p:cNvSpPr>
+            <a:spLocks noGrp="1"/>
+          </p:cNvSpPr>
+          <p:nvPr>
+            <p:ph type="ftr" sz="quarter" idx="11"/>
+          </p:nvPr>
+        </p:nvSpPr>
+        <p:spPr/>
+        <p:txBody>
+          <a:bodyPr/>
+          <a:lstStyle/>
+          <a:p>
+            <a:r>
+              <a:rPr lang="en-US"/>
+              <a:t>Tallinn Manual</a:t>
+            </a:r>
+          </a:p>
+        </p:txBody>
+      </p:sp>
+      <p:sp>
+        <p:nvSpPr>
+          <p:cNvPr id="6" name="Slide Number Placeholder 5">
+            <a:extLst>
+              <a:ext uri="{FF2B5EF4-FFF2-40B4-BE49-F238E27FC236}">
+                <a16:creationId xmlns:a16="http://schemas.microsoft.com/office/drawing/2014/main" id="{74553888-9C94-7AC5-FF0A-58587FF96A99}"/>
+              </a:ext>
+            </a:extLst>
+          </p:cNvPr>
+          <p:cNvSpPr>
+            <a:spLocks noGrp="1"/>
+          </p:cNvSpPr>
+          <p:nvPr>
+            <p:ph type="sldNum" sz="quarter" idx="12"/>
+          </p:nvPr>
+        </p:nvSpPr>
+        <p:spPr/>
+        <p:txBody>
+          <a:bodyPr/>
+          <a:lstStyle/>
+          <a:p>
+            <a:fld id="{DBA1B0FB-D917-4C8C-928F-313BD683BF39}" type="slidenum">
+              <a:rPr lang="en-US" smtClean="0"/>
+              <a:t>11</a:t>
+            </a:fld>
+            <a:endParaRPr lang="en-US"/>
+          </a:p>
+        </p:txBody>
+      </p:sp>
+    </p:spTree>
+    <p:extLst>
+      <p:ext uri="{BB962C8B-B14F-4D97-AF65-F5344CB8AC3E}">
+        <p14:creationId xmlns:p14="http://schemas.microsoft.com/office/powerpoint/2010/main" val="3746190792"/>
+      </p:ext>
+    </p:extLst>
+  </p:cSld>
+  <p:clrMapOvr>
+    <a:masterClrMapping/>
+  </p:clrMapOvr>
+</p:sld>
+</file>
+
+<file path=ppt/slides/slide12.xml><?xml version="1.0" encoding="utf-8"?>
+<p:sld xmlns:a="http://schemas.openxmlformats.org/drawingml/2006/main" xmlns:r="http://schemas.openxmlformats.org/officeDocument/2006/relationships" xmlns:p="http://schemas.openxmlformats.org/presentationml/2006/main">
+  <p:cSld>
+    <p:spTree>
+      <p:nvGrpSpPr>
+        <p:cNvPr id="1" name=""/>
+        <p:cNvGrpSpPr/>
+        <p:nvPr/>
+      </p:nvGrpSpPr>
+      <p:grpSpPr>
+        <a:xfrm>
+          <a:off x="0" y="0"/>
+          <a:ext cx="0" cy="0"/>
+          <a:chOff x="0" y="0"/>
+          <a:chExt cx="0" cy="0"/>
+        </a:xfrm>
+      </p:grpSpPr>
+      <p:sp>
+        <p:nvSpPr>
+          <p:cNvPr id="22" name="Title 21">
+            <a:extLst>
+              <a:ext uri="{FF2B5EF4-FFF2-40B4-BE49-F238E27FC236}">
+                <a16:creationId xmlns:a16="http://schemas.microsoft.com/office/drawing/2014/main" id="{F8FAEED9-1ECD-45F9-87A0-9394BAEABB79}"/>
+              </a:ext>
+            </a:extLst>
+          </p:cNvPr>
+          <p:cNvSpPr>
+            <a:spLocks noGrp="1"/>
+          </p:cNvSpPr>
+          <p:nvPr>
+            <p:ph type="ctrTitle"/>
+          </p:nvPr>
+        </p:nvSpPr>
+        <p:spPr>
+          <a:xfrm>
+            <a:off x="550863" y="549275"/>
+            <a:ext cx="5437187" cy="2986234"/>
+          </a:xfrm>
+        </p:spPr>
+        <p:txBody>
+          <a:bodyPr/>
+          <a:lstStyle/>
+          <a:p>
+            <a:r>
+              <a:rPr lang="en-US" dirty="0"/>
+              <a:t>Thank You</a:t>
+            </a:r>
+          </a:p>
+        </p:txBody>
+      </p:sp>
+      <p:sp>
+        <p:nvSpPr>
+          <p:cNvPr id="23" name="Subtitle 22">
+            <a:extLst>
+              <a:ext uri="{FF2B5EF4-FFF2-40B4-BE49-F238E27FC236}">
+                <a16:creationId xmlns:a16="http://schemas.microsoft.com/office/drawing/2014/main" id="{8E5E4638-9BCB-4C2E-914F-CC868E2020D5}"/>
+              </a:ext>
+            </a:extLst>
+          </p:cNvPr>
+          <p:cNvSpPr>
+            <a:spLocks noGrp="1"/>
+          </p:cNvSpPr>
+          <p:nvPr>
+            <p:ph type="subTitle" idx="1"/>
+          </p:nvPr>
+        </p:nvSpPr>
+        <p:spPr>
+          <a:xfrm>
+            <a:off x="550863" y="3827610"/>
+            <a:ext cx="5437187" cy="2265216"/>
+          </a:xfrm>
+        </p:spPr>
+        <p:txBody>
+          <a:bodyPr/>
+          <a:lstStyle/>
+          <a:p>
+            <a:r>
+              <a:rPr lang="en-US" dirty="0"/>
+              <a:t>Truc Huynh</a:t>
+            </a:r>
+          </a:p>
+          <a:p>
+            <a:r>
+              <a:rPr lang="en-US" dirty="0"/>
+              <a:t>huyntl02@pfw.edu</a:t>
+            </a:r>
+          </a:p>
+        </p:txBody>
+      </p:sp>
+      <p:pic>
+        <p:nvPicPr>
+          <p:cNvPr id="27" name="Picture Placeholder 26" descr="Data Points Digital background">
+            <a:extLst>
+              <a:ext uri="{FF2B5EF4-FFF2-40B4-BE49-F238E27FC236}">
+                <a16:creationId xmlns:a16="http://schemas.microsoft.com/office/drawing/2014/main" id="{9E660784-34E2-4CDA-926A-DDD6AAF35046}"/>
+              </a:ext>
+            </a:extLst>
+          </p:cNvPr>
+          <p:cNvPicPr>
+            <a:picLocks noGrp="1" noChangeAspect="1"/>
+          </p:cNvPicPr>
+          <p:nvPr>
+            <p:ph type="pic" sz="quarter" idx="15"/>
+          </p:nvPr>
+        </p:nvPicPr>
+        <p:blipFill rotWithShape="1">
+          <a:blip r:embed="rId2" cstate="screen">
+            <a:extLst>
+              <a:ext uri="{28A0092B-C50C-407E-A947-70E740481C1C}">
+                <a14:useLocalDpi xmlns:a14="http://schemas.microsoft.com/office/drawing/2010/main" val="0"/>
+              </a:ext>
+            </a:extLst>
+          </a:blip>
+          <a:srcRect/>
+          <a:stretch/>
+        </p:blipFill>
+        <p:spPr>
+          <a:xfrm>
+            <a:off x="6556248" y="548640"/>
+            <a:ext cx="5084064" cy="2880360"/>
+          </a:xfrm>
+        </p:spPr>
+      </p:pic>
+      <p:pic>
+        <p:nvPicPr>
+          <p:cNvPr id="33" name="Picture Placeholder 32" descr="Data Points Digital background">
+            <a:extLst>
+              <a:ext uri="{FF2B5EF4-FFF2-40B4-BE49-F238E27FC236}">
+                <a16:creationId xmlns:a16="http://schemas.microsoft.com/office/drawing/2014/main" id="{48106962-23C6-4DFE-BB3A-E5FFF03F38CE}"/>
+              </a:ext>
+            </a:extLst>
+          </p:cNvPr>
+          <p:cNvPicPr>
+            <a:picLocks noGrp="1" noChangeAspect="1"/>
+          </p:cNvPicPr>
+          <p:nvPr>
+            <p:ph type="pic" sz="quarter" idx="16"/>
+          </p:nvPr>
+        </p:nvPicPr>
+        <p:blipFill rotWithShape="1">
+          <a:blip r:embed="rId3" cstate="screen">
+            <a:extLst>
+              <a:ext uri="{28A0092B-C50C-407E-A947-70E740481C1C}">
+                <a14:useLocalDpi xmlns:a14="http://schemas.microsoft.com/office/drawing/2010/main" val="0"/>
+              </a:ext>
+            </a:extLst>
+          </a:blip>
+          <a:srcRect/>
+          <a:stretch/>
+        </p:blipFill>
+        <p:spPr>
+          <a:xfrm>
+            <a:off x="6556248" y="3429000"/>
+            <a:ext cx="5084064" cy="2880360"/>
+          </a:xfrm>
+        </p:spPr>
+      </p:pic>
+      <p:sp>
+        <p:nvSpPr>
+          <p:cNvPr id="4" name="Date Placeholder 3">
+            <a:extLst>
+              <a:ext uri="{FF2B5EF4-FFF2-40B4-BE49-F238E27FC236}">
+                <a16:creationId xmlns:a16="http://schemas.microsoft.com/office/drawing/2014/main" id="{7823E305-6365-4345-8BD1-4A31C61D96CB}"/>
+              </a:ext>
+            </a:extLst>
+          </p:cNvPr>
+          <p:cNvSpPr>
+            <a:spLocks noGrp="1"/>
+          </p:cNvSpPr>
+          <p:nvPr>
+            <p:ph type="dt" sz="half" idx="10"/>
+          </p:nvPr>
+        </p:nvSpPr>
+        <p:spPr>
+          <a:xfrm>
+            <a:off x="550863" y="6507212"/>
+            <a:ext cx="2628900" cy="153888"/>
+          </a:xfrm>
+        </p:spPr>
+        <p:txBody>
+          <a:bodyPr/>
+          <a:lstStyle/>
+          <a:p>
+            <a:fld id="{70A273C8-E57C-460E-B1E6-4177D32EA93C}" type="datetime1">
+              <a:rPr lang="en-US" smtClean="0"/>
+              <a:t>9/14/2022</a:t>
+            </a:fld>
+            <a:endParaRPr lang="en-US"/>
+          </a:p>
+        </p:txBody>
+      </p:sp>
+      <p:sp>
+        <p:nvSpPr>
+          <p:cNvPr id="5" name="Footer Placeholder 4">
+            <a:extLst>
+              <a:ext uri="{FF2B5EF4-FFF2-40B4-BE49-F238E27FC236}">
+                <a16:creationId xmlns:a16="http://schemas.microsoft.com/office/drawing/2014/main" id="{0B37A3FF-ED32-4C4A-A21F-848A3BF6F896}"/>
+              </a:ext>
+            </a:extLst>
+          </p:cNvPr>
+          <p:cNvSpPr>
+            <a:spLocks noGrp="1"/>
+          </p:cNvSpPr>
+          <p:nvPr>
+            <p:ph type="ftr" sz="quarter" idx="11"/>
+          </p:nvPr>
+        </p:nvSpPr>
+        <p:spPr>
+          <a:xfrm>
+            <a:off x="3359150" y="6507212"/>
+            <a:ext cx="6379210" cy="153888"/>
+          </a:xfrm>
+        </p:spPr>
+        <p:txBody>
+          <a:bodyPr/>
+          <a:lstStyle/>
+          <a:p>
+            <a:r>
+              <a:rPr lang="en-US"/>
+              <a:t>Tallinn Manual</a:t>
+            </a:r>
+          </a:p>
+        </p:txBody>
+      </p:sp>
+      <p:sp>
+        <p:nvSpPr>
+          <p:cNvPr id="6" name="Slide Number Placeholder 5">
+            <a:extLst>
+              <a:ext uri="{FF2B5EF4-FFF2-40B4-BE49-F238E27FC236}">
+                <a16:creationId xmlns:a16="http://schemas.microsoft.com/office/drawing/2014/main" id="{36E60F23-FB58-4EF8-82FD-E86CED25FDD4}"/>
+              </a:ext>
+            </a:extLst>
+          </p:cNvPr>
+          <p:cNvSpPr>
+            <a:spLocks noGrp="1"/>
+          </p:cNvSpPr>
+          <p:nvPr>
+            <p:ph type="sldNum" sz="quarter" idx="12"/>
+          </p:nvPr>
+        </p:nvSpPr>
+        <p:spPr>
+          <a:xfrm>
+            <a:off x="9948863" y="6507212"/>
+            <a:ext cx="1692274" cy="153888"/>
+          </a:xfrm>
+        </p:spPr>
+        <p:txBody>
+          <a:bodyPr/>
+          <a:lstStyle/>
+          <a:p>
+            <a:fld id="{DBA1B0FB-D917-4C8C-928F-313BD683BF39}" type="slidenum">
+              <a:rPr lang="en-US" smtClean="0"/>
+              <a:pPr/>
+              <a:t>12</a:t>
+            </a:fld>
+            <a:endParaRPr lang="en-US"/>
+          </a:p>
+        </p:txBody>
+      </p:sp>
+    </p:spTree>
+    <p:extLst>
+      <p:ext uri="{BB962C8B-B14F-4D97-AF65-F5344CB8AC3E}">
+        <p14:creationId xmlns:p14="http://schemas.microsoft.com/office/powerpoint/2010/main" val="3247798845"/>
+      </p:ext>
+    </p:extLst>
+  </p:cSld>
+  <p:clrMapOvr>
+    <a:masterClrMapping/>
+  </p:clrMapOvr>
+</p:sld>
+</file>
+
 <file path=ppt/slides/slide2.xml><?xml version="1.0" encoding="utf-8"?>
 <p:sld xmlns:a="http://schemas.openxmlformats.org/drawingml/2006/main" xmlns:r="http://schemas.openxmlformats.org/officeDocument/2006/relationships" xmlns:p="http://schemas.openxmlformats.org/presentationml/2006/main">
   <p:cSld>
@@ -13433,7 +14331,7 @@
           <a:p>
             <a:fld id="{05E60A6E-23B7-479E-8876-ADE83F952BAB}" type="datetime1">
               <a:rPr lang="en-US" smtClean="0"/>
-              <a:t>9/13/2022</a:t>
+              <a:t>9/14/2022</a:t>
             </a:fld>
             <a:endParaRPr lang="en-US" dirty="0"/>
           </a:p>
@@ -13690,14 +14588,7 @@
           <a:p>
             <a:r>
               <a:rPr lang="en-US" dirty="0"/>
-              <a:t>Created by The NATO Cooperative Cyber Defense Centre of Excellence (CCD COE)</a:t>
-            </a:r>
-          </a:p>
-          <a:p>
-            <a:pPr lvl="1"/>
-            <a:r>
-              <a:rPr lang="en-US" dirty="0"/>
-              <a:t>CCD COE mission: improve cooperative cyber defense capabilities for its member nations; conducts cyber defense research; provide courses on defense and technical subjects and conduct conferences on cyber conflict.</a:t>
+              <a:t>Created by The NATO Cooperative Cyber Defense Centre of Excellence (CCD COE). Its missions are: to improve cooperative cyber defense capabilities for its member nations; conduct cyber defense research; provide courses on defense and technical subjects and conduct conferences on cyber conflict.</a:t>
             </a:r>
           </a:p>
           <a:p>
@@ -13746,7 +14637,7 @@
           <a:p>
             <a:fld id="{0E2DE241-4DDF-4071-9C6C-7F97043FB3DC}" type="datetime1">
               <a:rPr lang="en-US" smtClean="0"/>
-              <a:t>9/13/2022</a:t>
+              <a:t>9/14/2022</a:t>
             </a:fld>
             <a:endParaRPr lang="en-US"/>
           </a:p>
@@ -13841,10 +14732,10 @@
       </p:grpSpPr>
       <p:sp>
         <p:nvSpPr>
-          <p:cNvPr id="7" name="Title 6">
-            <a:extLst>
-              <a:ext uri="{FF2B5EF4-FFF2-40B4-BE49-F238E27FC236}">
-                <a16:creationId xmlns:a16="http://schemas.microsoft.com/office/drawing/2014/main" id="{47788B34-4190-4916-9048-47720EA5ABF1}"/>
+          <p:cNvPr id="2" name="Title 1">
+            <a:extLst>
+              <a:ext uri="{FF2B5EF4-FFF2-40B4-BE49-F238E27FC236}">
+                <a16:creationId xmlns:a16="http://schemas.microsoft.com/office/drawing/2014/main" id="{FD8C1605-1B87-E408-00F1-D617A2F083DB}"/>
               </a:ext>
             </a:extLst>
           </p:cNvPr>
@@ -13857,8 +14748,8 @@
         </p:nvSpPr>
         <p:spPr>
           <a:xfrm>
-            <a:off x="550862" y="549275"/>
-            <a:ext cx="11097551" cy="1332000"/>
+            <a:off x="500988" y="191161"/>
+            <a:ext cx="11091600" cy="574016"/>
           </a:xfrm>
         </p:spPr>
         <p:txBody>
@@ -13866,372 +14757,555 @@
           <a:lstStyle/>
           <a:p>
             <a:r>
-              <a:rPr lang="en-US" dirty="0"/>
-              <a:t>Tallinn Manual’s Origins</a:t>
-            </a:r>
-          </a:p>
-        </p:txBody>
-      </p:sp>
-      <p:sp>
-        <p:nvSpPr>
-          <p:cNvPr id="8" name="Text Placeholder 7">
-            <a:extLst>
-              <a:ext uri="{FF2B5EF4-FFF2-40B4-BE49-F238E27FC236}">
-                <a16:creationId xmlns:a16="http://schemas.microsoft.com/office/drawing/2014/main" id="{ABA415A0-3B77-43FB-A408-5F1DA4B0AAFA}"/>
-              </a:ext>
-            </a:extLst>
-          </p:cNvPr>
-          <p:cNvSpPr>
-            <a:spLocks noGrp="1"/>
-          </p:cNvSpPr>
-          <p:nvPr>
-            <p:ph type="body" idx="1"/>
+              <a:rPr lang="en-US" sz="4000" dirty="0"/>
+              <a:t>Tallinn Manual’s Major Parts and Sections</a:t>
+            </a:r>
+          </a:p>
+        </p:txBody>
+      </p:sp>
+      <p:sp>
+        <p:nvSpPr>
+          <p:cNvPr id="3" name="Content Placeholder 2">
+            <a:extLst>
+              <a:ext uri="{FF2B5EF4-FFF2-40B4-BE49-F238E27FC236}">
+                <a16:creationId xmlns:a16="http://schemas.microsoft.com/office/drawing/2014/main" id="{CED4BDE1-898C-0F93-E8E9-6E169C647ADE}"/>
+              </a:ext>
+            </a:extLst>
+          </p:cNvPr>
+          <p:cNvSpPr>
+            <a:spLocks noGrp="1"/>
+          </p:cNvSpPr>
+          <p:nvPr>
+            <p:ph idx="1"/>
           </p:nvPr>
         </p:nvSpPr>
         <p:spPr>
           <a:xfrm>
-            <a:off x="550864" y="1731375"/>
-            <a:ext cx="3563936" cy="535354"/>
+            <a:off x="550863" y="1500326"/>
+            <a:ext cx="4305222" cy="4385569"/>
           </a:xfrm>
         </p:spPr>
         <p:txBody>
           <a:bodyPr/>
           <a:lstStyle/>
           <a:p>
+            <a:pPr>
+              <a:lnSpc>
+                <a:spcPct val="100000"/>
+              </a:lnSpc>
+            </a:pPr>
             <a:r>
               <a:rPr lang="en-US" dirty="0"/>
               <a:t>Sovereignty</a:t>
             </a:r>
           </a:p>
-        </p:txBody>
-      </p:sp>
-      <p:sp>
-        <p:nvSpPr>
-          <p:cNvPr id="9" name="Content Placeholder 8">
-            <a:extLst>
-              <a:ext uri="{FF2B5EF4-FFF2-40B4-BE49-F238E27FC236}">
-                <a16:creationId xmlns:a16="http://schemas.microsoft.com/office/drawing/2014/main" id="{8598ECEC-4413-4244-8F21-0076EC511806}"/>
-              </a:ext>
-            </a:extLst>
-          </p:cNvPr>
-          <p:cNvSpPr>
-            <a:spLocks noGrp="1"/>
-          </p:cNvSpPr>
-          <p:nvPr>
-            <p:ph sz="half" idx="2"/>
-          </p:nvPr>
-        </p:nvSpPr>
-        <p:spPr>
-          <a:xfrm>
-            <a:off x="559476" y="2432304"/>
-            <a:ext cx="3563936" cy="3515555"/>
-          </a:xfrm>
-        </p:spPr>
-        <p:txBody>
-          <a:bodyPr>
-            <a:normAutofit fontScale="92500"/>
-          </a:bodyPr>
-          <a:lstStyle/>
-          <a:p>
-            <a:pPr lvl="0"/>
+          <a:p>
+            <a:pPr>
+              <a:lnSpc>
+                <a:spcPct val="100000"/>
+              </a:lnSpc>
+            </a:pPr>
             <a:r>
               <a:rPr lang="en-US" dirty="0"/>
-              <a:t>The right to exercise the function of a state independently</a:t>
-            </a:r>
-          </a:p>
-          <a:p>
-            <a:pPr lvl="0"/>
+              <a:t>Jurisdiction</a:t>
+            </a:r>
+          </a:p>
+          <a:p>
+            <a:pPr>
+              <a:lnSpc>
+                <a:spcPct val="100000"/>
+              </a:lnSpc>
+            </a:pPr>
             <a:r>
               <a:rPr lang="en-US" dirty="0"/>
-              <a:t> Cyberinfrastructure in a nation’s territory is subject to that state’s control (internet access, traffic on telecommunications, and computer networks)</a:t>
-            </a:r>
-          </a:p>
-          <a:p>
-            <a:pPr lvl="0"/>
+              <a:t>Control</a:t>
+            </a:r>
+          </a:p>
+          <a:p>
+            <a:pPr>
+              <a:lnSpc>
+                <a:spcPct val="100000"/>
+              </a:lnSpc>
+            </a:pPr>
             <a:r>
               <a:rPr lang="en-US" dirty="0"/>
-              <a:t>Prohibit other nation-states from taking action against the territory or citizens of another sovereign nation</a:t>
-            </a:r>
-          </a:p>
-          <a:p>
-            <a:pPr lvl="0"/>
-            <a:endParaRPr lang="en-US" dirty="0"/>
-          </a:p>
-          <a:p>
-            <a:endParaRPr lang="en-US" dirty="0"/>
-          </a:p>
-        </p:txBody>
-      </p:sp>
-      <p:sp>
-        <p:nvSpPr>
-          <p:cNvPr id="12" name="Text Placeholder 11">
-            <a:extLst>
-              <a:ext uri="{FF2B5EF4-FFF2-40B4-BE49-F238E27FC236}">
-                <a16:creationId xmlns:a16="http://schemas.microsoft.com/office/drawing/2014/main" id="{3A63626D-0E6E-4023-ABFC-A744C9862159}"/>
-              </a:ext>
-            </a:extLst>
-          </p:cNvPr>
-          <p:cNvSpPr>
-            <a:spLocks noGrp="1"/>
-          </p:cNvSpPr>
-          <p:nvPr>
-            <p:ph type="body" sz="quarter" idx="13"/>
-          </p:nvPr>
-        </p:nvSpPr>
-        <p:spPr>
-          <a:xfrm>
-            <a:off x="4341573" y="1731375"/>
-            <a:ext cx="3566160" cy="535354"/>
-          </a:xfrm>
-        </p:spPr>
+              <a:t>Responsibility</a:t>
+            </a:r>
+          </a:p>
+          <a:p>
+            <a:pPr>
+              <a:lnSpc>
+                <a:spcPct val="100000"/>
+              </a:lnSpc>
+            </a:pPr>
+            <a:r>
+              <a:rPr lang="en-US" dirty="0"/>
+              <a:t>Mercenaries</a:t>
+            </a:r>
+          </a:p>
+          <a:p>
+            <a:pPr>
+              <a:lnSpc>
+                <a:spcPct val="100000"/>
+              </a:lnSpc>
+            </a:pPr>
+            <a:r>
+              <a:rPr lang="en-US" dirty="0"/>
+              <a:t>The use of force</a:t>
+            </a:r>
+          </a:p>
+          <a:p>
+            <a:pPr>
+              <a:lnSpc>
+                <a:spcPct val="100000"/>
+              </a:lnSpc>
+            </a:pPr>
+            <a:r>
+              <a:rPr lang="en-US" dirty="0"/>
+              <a:t>Measuring force</a:t>
+            </a:r>
+          </a:p>
+          <a:p>
+            <a:pPr>
+              <a:lnSpc>
+                <a:spcPct val="100000"/>
+              </a:lnSpc>
+            </a:pPr>
+            <a:r>
+              <a:rPr lang="en-US" dirty="0"/>
+              <a:t>Threats of force</a:t>
+            </a:r>
+          </a:p>
+        </p:txBody>
+      </p:sp>
+      <p:sp>
+        <p:nvSpPr>
+          <p:cNvPr id="4" name="Date Placeholder 3">
+            <a:extLst>
+              <a:ext uri="{FF2B5EF4-FFF2-40B4-BE49-F238E27FC236}">
+                <a16:creationId xmlns:a16="http://schemas.microsoft.com/office/drawing/2014/main" id="{1AA6D9E5-55A9-0326-113F-0E24DD87204C}"/>
+              </a:ext>
+            </a:extLst>
+          </p:cNvPr>
+          <p:cNvSpPr>
+            <a:spLocks noGrp="1"/>
+          </p:cNvSpPr>
+          <p:nvPr>
+            <p:ph type="dt" sz="half" idx="10"/>
+          </p:nvPr>
+        </p:nvSpPr>
+        <p:spPr/>
         <p:txBody>
           <a:bodyPr/>
           <a:lstStyle/>
           <a:p>
-            <a:r>
-              <a:rPr lang="en-US" dirty="0"/>
-              <a:t>jurisdiction</a:t>
-            </a:r>
-          </a:p>
-        </p:txBody>
-      </p:sp>
-      <p:sp>
-        <p:nvSpPr>
-          <p:cNvPr id="13" name="Content Placeholder 12">
-            <a:extLst>
-              <a:ext uri="{FF2B5EF4-FFF2-40B4-BE49-F238E27FC236}">
-                <a16:creationId xmlns:a16="http://schemas.microsoft.com/office/drawing/2014/main" id="{258E9390-685C-4BAD-BFAD-EC56E81C4745}"/>
-              </a:ext>
-            </a:extLst>
-          </p:cNvPr>
-          <p:cNvSpPr>
-            <a:spLocks noGrp="1"/>
-          </p:cNvSpPr>
-          <p:nvPr>
-            <p:ph sz="quarter" idx="14"/>
-          </p:nvPr>
-        </p:nvSpPr>
-        <p:spPr>
-          <a:xfrm>
-            <a:off x="4341573" y="2427370"/>
-            <a:ext cx="3508755" cy="3515555"/>
-          </a:xfrm>
-        </p:spPr>
-        <p:txBody>
-          <a:bodyPr>
-            <a:normAutofit/>
-          </a:bodyPr>
-          <a:lstStyle/>
-          <a:p>
-            <a:pPr lvl="0"/>
-            <a:r>
-              <a:rPr lang="en-US" dirty="0"/>
-              <a:t>The authority to enforce its will in </a:t>
-            </a:r>
-          </a:p>
-        </p:txBody>
-      </p:sp>
-      <p:sp>
-        <p:nvSpPr>
-          <p:cNvPr id="10" name="Text Placeholder 9">
-            <a:extLst>
-              <a:ext uri="{FF2B5EF4-FFF2-40B4-BE49-F238E27FC236}">
-                <a16:creationId xmlns:a16="http://schemas.microsoft.com/office/drawing/2014/main" id="{34A9BC34-CFDB-4D7A-8D6C-1CE608D0909F}"/>
-              </a:ext>
-            </a:extLst>
-          </p:cNvPr>
-          <p:cNvSpPr>
-            <a:spLocks noGrp="1"/>
-          </p:cNvSpPr>
-          <p:nvPr>
-            <p:ph type="body" sz="quarter" idx="3"/>
-          </p:nvPr>
-        </p:nvSpPr>
-        <p:spPr>
-          <a:xfrm>
-            <a:off x="8139659" y="1731375"/>
-            <a:ext cx="3566160" cy="535354"/>
-          </a:xfrm>
-        </p:spPr>
+            <a:fld id="{0E2DE241-4DDF-4071-9C6C-7F97043FB3DC}" type="datetime1">
+              <a:rPr lang="en-US" smtClean="0"/>
+              <a:t>9/14/2022</a:t>
+            </a:fld>
+            <a:endParaRPr lang="en-US"/>
+          </a:p>
+        </p:txBody>
+      </p:sp>
+      <p:sp>
+        <p:nvSpPr>
+          <p:cNvPr id="5" name="Footer Placeholder 4">
+            <a:extLst>
+              <a:ext uri="{FF2B5EF4-FFF2-40B4-BE49-F238E27FC236}">
+                <a16:creationId xmlns:a16="http://schemas.microsoft.com/office/drawing/2014/main" id="{2EAEC481-7917-9FCF-EA45-94CA93C033F6}"/>
+              </a:ext>
+            </a:extLst>
+          </p:cNvPr>
+          <p:cNvSpPr>
+            <a:spLocks noGrp="1"/>
+          </p:cNvSpPr>
+          <p:nvPr>
+            <p:ph type="ftr" sz="quarter" idx="11"/>
+          </p:nvPr>
+        </p:nvSpPr>
+        <p:spPr/>
         <p:txBody>
           <a:bodyPr/>
           <a:lstStyle/>
           <a:p>
             <a:r>
-              <a:rPr lang="en-US" dirty="0"/>
-              <a:t>control</a:t>
-            </a:r>
-          </a:p>
-        </p:txBody>
-      </p:sp>
-      <p:sp>
-        <p:nvSpPr>
-          <p:cNvPr id="11" name="Content Placeholder 10">
-            <a:extLst>
-              <a:ext uri="{FF2B5EF4-FFF2-40B4-BE49-F238E27FC236}">
-                <a16:creationId xmlns:a16="http://schemas.microsoft.com/office/drawing/2014/main" id="{1D014E48-5DD9-49CE-AD5B-0FEF69204F68}"/>
-              </a:ext>
-            </a:extLst>
-          </p:cNvPr>
-          <p:cNvSpPr>
-            <a:spLocks noGrp="1"/>
-          </p:cNvSpPr>
-          <p:nvPr>
-            <p:ph sz="quarter" idx="4"/>
-          </p:nvPr>
-        </p:nvSpPr>
-        <p:spPr>
-          <a:xfrm>
-            <a:off x="8139659" y="2427370"/>
-            <a:ext cx="3508755" cy="3515555"/>
-          </a:xfrm>
-        </p:spPr>
-        <p:txBody>
-          <a:bodyPr>
-            <a:normAutofit lnSpcReduction="10000"/>
-          </a:bodyPr>
-          <a:lstStyle/>
-          <a:p>
-            <a:pPr lvl="0"/>
-            <a:r>
-              <a:rPr lang="en-US" dirty="0"/>
-              <a:t>Add text, images, art, and videos. </a:t>
-            </a:r>
-          </a:p>
-          <a:p>
-            <a:pPr lvl="0"/>
-            <a:r>
-              <a:rPr lang="en-US" dirty="0"/>
-              <a:t>Add transitions, animations, and motion. </a:t>
-            </a:r>
-          </a:p>
-          <a:p>
-            <a:pPr lvl="0"/>
-            <a:r>
-              <a:rPr lang="en-US" dirty="0"/>
-              <a:t>Save to OneDrive, to get to your presentations from your computer, tablet, or phone. </a:t>
-            </a:r>
-          </a:p>
-          <a:p>
-            <a:r>
-              <a:rPr lang="en-US" dirty="0"/>
-              <a:t>Open the Design Ideas pane for instant slide makeovers. </a:t>
-            </a:r>
-          </a:p>
-          <a:p>
-            <a:r>
-              <a:rPr lang="en-US" dirty="0"/>
-              <a:t>When we have design ideas, we’ll show them to you right there.</a:t>
-            </a:r>
-          </a:p>
-        </p:txBody>
-      </p:sp>
-      <p:sp>
-        <p:nvSpPr>
-          <p:cNvPr id="14" name="Date Placeholder 13">
-            <a:extLst>
-              <a:ext uri="{FF2B5EF4-FFF2-40B4-BE49-F238E27FC236}">
-                <a16:creationId xmlns:a16="http://schemas.microsoft.com/office/drawing/2014/main" id="{D236478C-E242-44E0-8357-C72C9B588CA7}"/>
-              </a:ext>
-            </a:extLst>
-          </p:cNvPr>
-          <p:cNvSpPr>
-            <a:spLocks noGrp="1"/>
-          </p:cNvSpPr>
-          <p:nvPr>
-            <p:ph type="dt" sz="half" idx="10"/>
-          </p:nvPr>
-        </p:nvSpPr>
-        <p:spPr>
-          <a:xfrm>
-            <a:off x="550863" y="6507212"/>
-            <a:ext cx="2628900" cy="153888"/>
-          </a:xfrm>
-        </p:spPr>
+              <a:rPr lang="en-US"/>
+              <a:t>Tallinn Manual</a:t>
+            </a:r>
+          </a:p>
+        </p:txBody>
+      </p:sp>
+      <p:sp>
+        <p:nvSpPr>
+          <p:cNvPr id="6" name="Slide Number Placeholder 5">
+            <a:extLst>
+              <a:ext uri="{FF2B5EF4-FFF2-40B4-BE49-F238E27FC236}">
+                <a16:creationId xmlns:a16="http://schemas.microsoft.com/office/drawing/2014/main" id="{B6BAB5A7-6C23-27BB-8E8C-2636DFB79C65}"/>
+              </a:ext>
+            </a:extLst>
+          </p:cNvPr>
+          <p:cNvSpPr>
+            <a:spLocks noGrp="1"/>
+          </p:cNvSpPr>
+          <p:nvPr>
+            <p:ph type="sldNum" sz="quarter" idx="12"/>
+          </p:nvPr>
+        </p:nvSpPr>
+        <p:spPr/>
         <p:txBody>
           <a:bodyPr/>
           <a:lstStyle/>
           <a:p>
-            <a:fld id="{2DB0C850-7869-4950-94C3-0A5408435131}" type="datetime1">
-              <a:rPr lang="en-US" smtClean="0"/>
-              <a:t>9/13/2022</a:t>
-            </a:fld>
-            <a:endParaRPr lang="en-US" dirty="0"/>
-          </a:p>
-        </p:txBody>
-      </p:sp>
-      <p:sp>
-        <p:nvSpPr>
-          <p:cNvPr id="15" name="Footer Placeholder 14">
-            <a:extLst>
-              <a:ext uri="{FF2B5EF4-FFF2-40B4-BE49-F238E27FC236}">
-                <a16:creationId xmlns:a16="http://schemas.microsoft.com/office/drawing/2014/main" id="{65A6DC02-681E-4AF7-AC6E-57CDDB2FBA28}"/>
-              </a:ext>
-            </a:extLst>
-          </p:cNvPr>
-          <p:cNvSpPr>
-            <a:spLocks noGrp="1"/>
-          </p:cNvSpPr>
-          <p:nvPr>
-            <p:ph type="ftr" sz="quarter" idx="11"/>
-          </p:nvPr>
-        </p:nvSpPr>
-        <p:spPr>
-          <a:xfrm>
-            <a:off x="3359150" y="6507212"/>
-            <a:ext cx="6379210" cy="153888"/>
-          </a:xfrm>
-        </p:spPr>
-        <p:txBody>
-          <a:bodyPr/>
-          <a:lstStyle/>
-          <a:p>
-            <a:r>
-              <a:rPr lang="en-US"/>
-              <a:t>Tallinn Manual</a:t>
-            </a:r>
-          </a:p>
-        </p:txBody>
-      </p:sp>
-      <p:sp>
-        <p:nvSpPr>
-          <p:cNvPr id="16" name="Slide Number Placeholder 15">
-            <a:extLst>
-              <a:ext uri="{FF2B5EF4-FFF2-40B4-BE49-F238E27FC236}">
-                <a16:creationId xmlns:a16="http://schemas.microsoft.com/office/drawing/2014/main" id="{CF0A8666-4477-461C-A79D-E91232EE973E}"/>
-              </a:ext>
-            </a:extLst>
-          </p:cNvPr>
-          <p:cNvSpPr>
-            <a:spLocks noGrp="1"/>
-          </p:cNvSpPr>
-          <p:nvPr>
-            <p:ph type="sldNum" sz="quarter" idx="12"/>
-          </p:nvPr>
-        </p:nvSpPr>
-        <p:spPr>
-          <a:xfrm>
-            <a:off x="9948863" y="6507212"/>
-            <a:ext cx="1692274" cy="153888"/>
-          </a:xfrm>
-        </p:spPr>
-        <p:txBody>
-          <a:bodyPr/>
-          <a:lstStyle/>
-          <a:p>
             <a:fld id="{DBA1B0FB-D917-4C8C-928F-313BD683BF39}" type="slidenum">
               <a:rPr lang="en-US" smtClean="0"/>
-              <a:pPr/>
               <a:t>4</a:t>
             </a:fld>
             <a:endParaRPr lang="en-US"/>
           </a:p>
         </p:txBody>
       </p:sp>
+      <p:sp>
+        <p:nvSpPr>
+          <p:cNvPr id="7" name="Content Placeholder 2">
+            <a:extLst>
+              <a:ext uri="{FF2B5EF4-FFF2-40B4-BE49-F238E27FC236}">
+                <a16:creationId xmlns:a16="http://schemas.microsoft.com/office/drawing/2014/main" id="{0079C8F7-482D-327C-B112-3B2134F3D3CD}"/>
+              </a:ext>
+            </a:extLst>
+          </p:cNvPr>
+          <p:cNvSpPr txBox="1">
+            <a:spLocks/>
+          </p:cNvSpPr>
+          <p:nvPr/>
+        </p:nvSpPr>
+        <p:spPr>
+          <a:xfrm>
+            <a:off x="5433137" y="1500325"/>
+            <a:ext cx="5504151" cy="4385569"/>
+          </a:xfrm>
+          <a:prstGeom prst="rect">
+            <a:avLst/>
+          </a:prstGeom>
+        </p:spPr>
+        <p:txBody>
+          <a:bodyPr vert="horz" wrap="square" lIns="0" tIns="0" rIns="0" bIns="0" rtlCol="0">
+            <a:noAutofit/>
+          </a:bodyPr>
+          <a:lstStyle>
+            <a:lvl1pPr marL="228600" indent="-228600" algn="l" defTabSz="914400" rtl="0" eaLnBrk="1" latinLnBrk="0" hangingPunct="1">
+              <a:lnSpc>
+                <a:spcPct val="110000"/>
+              </a:lnSpc>
+              <a:spcBef>
+                <a:spcPts val="1000"/>
+              </a:spcBef>
+              <a:spcAft>
+                <a:spcPts val="800"/>
+              </a:spcAft>
+              <a:buFont typeface="Arial" panose="020B0604020202020204" pitchFamily="34" charset="0"/>
+              <a:buChar char="•"/>
+              <a:defRPr sz="2000" kern="1200">
+                <a:solidFill>
+                  <a:schemeClr val="tx1">
+                    <a:alpha val="60000"/>
+                  </a:schemeClr>
+                </a:solidFill>
+                <a:latin typeface="+mn-lt"/>
+                <a:ea typeface="+mn-ea"/>
+                <a:cs typeface="+mn-cs"/>
+              </a:defRPr>
+            </a:lvl1pPr>
+            <a:lvl2pPr marL="685800" indent="-228600" algn="l" defTabSz="914400" rtl="0" eaLnBrk="1" latinLnBrk="0" hangingPunct="1">
+              <a:lnSpc>
+                <a:spcPct val="110000"/>
+              </a:lnSpc>
+              <a:spcBef>
+                <a:spcPts val="500"/>
+              </a:spcBef>
+              <a:spcAft>
+                <a:spcPts val="800"/>
+              </a:spcAft>
+              <a:buFont typeface="Arial" panose="020B0604020202020204" pitchFamily="34" charset="0"/>
+              <a:buChar char="•"/>
+              <a:defRPr sz="1400" kern="1200">
+                <a:solidFill>
+                  <a:schemeClr val="tx1">
+                    <a:alpha val="60000"/>
+                  </a:schemeClr>
+                </a:solidFill>
+                <a:latin typeface="+mn-lt"/>
+                <a:ea typeface="+mn-ea"/>
+                <a:cs typeface="+mn-cs"/>
+              </a:defRPr>
+            </a:lvl2pPr>
+            <a:lvl3pPr marL="1143000" indent="-228600" algn="l" defTabSz="914400" rtl="0" eaLnBrk="1" latinLnBrk="0" hangingPunct="1">
+              <a:lnSpc>
+                <a:spcPct val="110000"/>
+              </a:lnSpc>
+              <a:spcBef>
+                <a:spcPts val="500"/>
+              </a:spcBef>
+              <a:spcAft>
+                <a:spcPts val="800"/>
+              </a:spcAft>
+              <a:buFont typeface="Arial" panose="020B0604020202020204" pitchFamily="34" charset="0"/>
+              <a:buChar char="•"/>
+              <a:defRPr sz="1400" kern="1200">
+                <a:solidFill>
+                  <a:schemeClr val="tx1">
+                    <a:alpha val="60000"/>
+                  </a:schemeClr>
+                </a:solidFill>
+                <a:latin typeface="+mn-lt"/>
+                <a:ea typeface="+mn-ea"/>
+                <a:cs typeface="+mn-cs"/>
+              </a:defRPr>
+            </a:lvl3pPr>
+            <a:lvl4pPr marL="1600200" indent="-228600" algn="l" defTabSz="914400" rtl="0" eaLnBrk="1" latinLnBrk="0" hangingPunct="1">
+              <a:lnSpc>
+                <a:spcPct val="110000"/>
+              </a:lnSpc>
+              <a:spcBef>
+                <a:spcPts val="500"/>
+              </a:spcBef>
+              <a:spcAft>
+                <a:spcPts val="800"/>
+              </a:spcAft>
+              <a:buFont typeface="Arial" panose="020B0604020202020204" pitchFamily="34" charset="0"/>
+              <a:buChar char="•"/>
+              <a:defRPr sz="1400" kern="1200">
+                <a:solidFill>
+                  <a:schemeClr val="tx1">
+                    <a:alpha val="60000"/>
+                  </a:schemeClr>
+                </a:solidFill>
+                <a:latin typeface="+mn-lt"/>
+                <a:ea typeface="+mn-ea"/>
+                <a:cs typeface="+mn-cs"/>
+              </a:defRPr>
+            </a:lvl4pPr>
+            <a:lvl5pPr marL="2057400" indent="-228600" algn="l" defTabSz="914400" rtl="0" eaLnBrk="1" latinLnBrk="0" hangingPunct="1">
+              <a:lnSpc>
+                <a:spcPct val="110000"/>
+              </a:lnSpc>
+              <a:spcBef>
+                <a:spcPts val="500"/>
+              </a:spcBef>
+              <a:spcAft>
+                <a:spcPts val="800"/>
+              </a:spcAft>
+              <a:buFont typeface="Arial" panose="020B0604020202020204" pitchFamily="34" charset="0"/>
+              <a:buChar char="•"/>
+              <a:defRPr sz="1400" kern="1200">
+                <a:solidFill>
+                  <a:schemeClr val="tx1">
+                    <a:alpha val="60000"/>
+                  </a:schemeClr>
+                </a:solidFill>
+                <a:latin typeface="+mn-lt"/>
+                <a:ea typeface="+mn-ea"/>
+                <a:cs typeface="+mn-cs"/>
+              </a:defRPr>
+            </a:lvl5pPr>
+            <a:lvl6pPr marL="2514600" indent="-228600" algn="l" defTabSz="914400" rtl="0" eaLnBrk="1" latinLnBrk="0" hangingPunct="1">
+              <a:lnSpc>
+                <a:spcPct val="90000"/>
+              </a:lnSpc>
+              <a:spcBef>
+                <a:spcPts val="500"/>
+              </a:spcBef>
+              <a:buFont typeface="Arial" panose="020B0604020202020204" pitchFamily="34" charset="0"/>
+              <a:buChar char="•"/>
+              <a:defRPr sz="1800" kern="1200">
+                <a:solidFill>
+                  <a:schemeClr val="tx1"/>
+                </a:solidFill>
+                <a:latin typeface="+mn-lt"/>
+                <a:ea typeface="+mn-ea"/>
+                <a:cs typeface="+mn-cs"/>
+              </a:defRPr>
+            </a:lvl6pPr>
+            <a:lvl7pPr marL="2971800" indent="-228600" algn="l" defTabSz="914400" rtl="0" eaLnBrk="1" latinLnBrk="0" hangingPunct="1">
+              <a:lnSpc>
+                <a:spcPct val="90000"/>
+              </a:lnSpc>
+              <a:spcBef>
+                <a:spcPts val="500"/>
+              </a:spcBef>
+              <a:buFont typeface="Arial" panose="020B0604020202020204" pitchFamily="34" charset="0"/>
+              <a:buChar char="•"/>
+              <a:defRPr sz="1800" kern="1200">
+                <a:solidFill>
+                  <a:schemeClr val="tx1"/>
+                </a:solidFill>
+                <a:latin typeface="+mn-lt"/>
+                <a:ea typeface="+mn-ea"/>
+                <a:cs typeface="+mn-cs"/>
+              </a:defRPr>
+            </a:lvl7pPr>
+            <a:lvl8pPr marL="3429000" indent="-228600" algn="l" defTabSz="914400" rtl="0" eaLnBrk="1" latinLnBrk="0" hangingPunct="1">
+              <a:lnSpc>
+                <a:spcPct val="90000"/>
+              </a:lnSpc>
+              <a:spcBef>
+                <a:spcPts val="500"/>
+              </a:spcBef>
+              <a:buFont typeface="Arial" panose="020B0604020202020204" pitchFamily="34" charset="0"/>
+              <a:buChar char="•"/>
+              <a:defRPr sz="1800" kern="1200">
+                <a:solidFill>
+                  <a:schemeClr val="tx1"/>
+                </a:solidFill>
+                <a:latin typeface="+mn-lt"/>
+                <a:ea typeface="+mn-ea"/>
+                <a:cs typeface="+mn-cs"/>
+              </a:defRPr>
+            </a:lvl8pPr>
+            <a:lvl9pPr marL="3886200" indent="-228600" algn="l" defTabSz="914400" rtl="0" eaLnBrk="1" latinLnBrk="0" hangingPunct="1">
+              <a:lnSpc>
+                <a:spcPct val="90000"/>
+              </a:lnSpc>
+              <a:spcBef>
+                <a:spcPts val="500"/>
+              </a:spcBef>
+              <a:buFont typeface="Arial" panose="020B0604020202020204" pitchFamily="34" charset="0"/>
+              <a:buChar char="•"/>
+              <a:defRPr sz="1800" kern="1200">
+                <a:solidFill>
+                  <a:schemeClr val="tx1"/>
+                </a:solidFill>
+                <a:latin typeface="+mn-lt"/>
+                <a:ea typeface="+mn-ea"/>
+                <a:cs typeface="+mn-cs"/>
+              </a:defRPr>
+            </a:lvl9pPr>
+          </a:lstStyle>
+          <a:p>
+            <a:pPr>
+              <a:lnSpc>
+                <a:spcPct val="100000"/>
+              </a:lnSpc>
+            </a:pPr>
+            <a:r>
+              <a:rPr lang="en-US" dirty="0"/>
+              <a:t>Self-defense</a:t>
+            </a:r>
+          </a:p>
+          <a:p>
+            <a:pPr>
+              <a:lnSpc>
+                <a:spcPct val="100000"/>
+              </a:lnSpc>
+            </a:pPr>
+            <a:r>
+              <a:rPr lang="en-US" dirty="0"/>
+              <a:t>International Governmental Organization</a:t>
+            </a:r>
+          </a:p>
+          <a:p>
+            <a:pPr>
+              <a:lnSpc>
+                <a:spcPct val="100000"/>
+              </a:lnSpc>
+            </a:pPr>
+            <a:r>
+              <a:rPr lang="en-US" dirty="0"/>
+              <a:t>Civilians and Infrastructure</a:t>
+            </a:r>
+          </a:p>
+          <a:p>
+            <a:pPr>
+              <a:lnSpc>
+                <a:spcPct val="100000"/>
+              </a:lnSpc>
+            </a:pPr>
+            <a:r>
+              <a:rPr lang="en-US" dirty="0"/>
+              <a:t>Civilians and Military Use of the Internet</a:t>
+            </a:r>
+          </a:p>
+          <a:p>
+            <a:pPr>
+              <a:lnSpc>
+                <a:spcPct val="100000"/>
+              </a:lnSpc>
+            </a:pPr>
+            <a:r>
+              <a:rPr lang="en-US" sz="2000" dirty="0"/>
+              <a:t>Prohibited targets</a:t>
+            </a:r>
+          </a:p>
+          <a:p>
+            <a:pPr>
+              <a:lnSpc>
+                <a:spcPct val="100000"/>
+              </a:lnSpc>
+            </a:pPr>
+            <a:r>
+              <a:rPr lang="en-US" sz="2000" dirty="0"/>
+              <a:t>The Conduct of Attacks and Indiscriminate </a:t>
+            </a:r>
+            <a:r>
+              <a:rPr lang="en-US" dirty="0"/>
+              <a:t>M</a:t>
+            </a:r>
+            <a:r>
+              <a:rPr lang="en-US" sz="2000" dirty="0"/>
+              <a:t>eans</a:t>
+            </a:r>
+          </a:p>
+          <a:p>
+            <a:pPr>
+              <a:lnSpc>
+                <a:spcPct val="100000"/>
+              </a:lnSpc>
+            </a:pPr>
+            <a:r>
+              <a:rPr lang="en-US" sz="2000" dirty="0"/>
+              <a:t>Espionage, Treachery, and Ruses</a:t>
+            </a:r>
+          </a:p>
+          <a:p>
+            <a:pPr>
+              <a:lnSpc>
+                <a:spcPct val="100000"/>
+              </a:lnSpc>
+            </a:pPr>
+            <a:r>
+              <a:rPr lang="en-US" sz="2000" dirty="0"/>
+              <a:t>Neutrality</a:t>
+            </a:r>
+          </a:p>
+          <a:p>
+            <a:pPr>
+              <a:lnSpc>
+                <a:spcPct val="100000"/>
+              </a:lnSpc>
+            </a:pPr>
+            <a:endParaRPr lang="en-US" sz="2000" dirty="0"/>
+          </a:p>
+          <a:p>
+            <a:pPr>
+              <a:lnSpc>
+                <a:spcPct val="100000"/>
+              </a:lnSpc>
+            </a:pPr>
+            <a:endParaRPr lang="en-US" dirty="0"/>
+          </a:p>
+          <a:p>
+            <a:pPr>
+              <a:lnSpc>
+                <a:spcPct val="100000"/>
+              </a:lnSpc>
+            </a:pPr>
+            <a:endParaRPr lang="en-US" dirty="0"/>
+          </a:p>
+        </p:txBody>
+      </p:sp>
     </p:spTree>
     <p:extLst>
       <p:ext uri="{BB962C8B-B14F-4D97-AF65-F5344CB8AC3E}">
-        <p14:creationId xmlns:p14="http://schemas.microsoft.com/office/powerpoint/2010/main" val="1420547054"/>
+        <p14:creationId xmlns:p14="http://schemas.microsoft.com/office/powerpoint/2010/main" val="462265256"/>
       </p:ext>
     </p:extLst>
   </p:cSld>
@@ -14286,7 +15360,7 @@
           <a:p>
             <a:r>
               <a:rPr lang="en-US" dirty="0"/>
-              <a:t>Content 2 </a:t>
+              <a:t>Tallinn Manual’s Major Parts and Sections</a:t>
             </a:r>
           </a:p>
         </p:txBody>
@@ -14318,8 +15392,8 @@
           <a:lstStyle/>
           <a:p>
             <a:r>
-              <a:rPr lang="en-US" dirty="0"/>
-              <a:t>Subtitle</a:t>
+              <a:rPr lang="en-US" sz="1600" dirty="0"/>
+              <a:t>Sovereignty</a:t>
             </a:r>
           </a:p>
         </p:txBody>
@@ -14348,40 +15422,28 @@
         </p:spPr>
         <p:txBody>
           <a:bodyPr>
-            <a:normAutofit fontScale="92500" lnSpcReduction="20000"/>
+            <a:normAutofit fontScale="92500"/>
           </a:bodyPr>
           <a:lstStyle/>
           <a:p>
             <a:pPr lvl="0"/>
             <a:r>
               <a:rPr lang="en-US" dirty="0"/>
-              <a:t>Add text, images, art, and videos. </a:t>
+              <a:t>The right to exercise the function of a state independently</a:t>
             </a:r>
           </a:p>
           <a:p>
             <a:pPr lvl="0"/>
             <a:r>
               <a:rPr lang="en-US" dirty="0"/>
-              <a:t>Add transitions, animations, and motion. </a:t>
+              <a:t> Cyberinfrastructure in a nation’s territory is subject to that state’s control (internet access, traffic on telecommunications, and computer networks)</a:t>
             </a:r>
           </a:p>
           <a:p>
             <a:pPr lvl="0"/>
             <a:r>
               <a:rPr lang="en-US" dirty="0"/>
-              <a:t>Save to OneDrive, to get to your presentations from your computer, tablet, or phone. </a:t>
-            </a:r>
-          </a:p>
-          <a:p>
-            <a:r>
-              <a:rPr lang="en-US" dirty="0"/>
-              <a:t>Open the Design Ideas pane for instant slide makeovers. </a:t>
-            </a:r>
-          </a:p>
-          <a:p>
-            <a:r>
-              <a:rPr lang="en-US" dirty="0"/>
-              <a:t>When we have design ideas, we’ll show them to you right there. </a:t>
+              <a:t>Prohibit other nation-states from taking action against the territory or citizens of another sovereign nation</a:t>
             </a:r>
           </a:p>
           <a:p>
@@ -14420,8 +15482,8 @@
           <a:lstStyle/>
           <a:p>
             <a:r>
-              <a:rPr lang="en-US" dirty="0"/>
-              <a:t>subtitle</a:t>
+              <a:rPr lang="en-US" sz="1600" dirty="0"/>
+              <a:t>jurisdiction</a:t>
             </a:r>
           </a:p>
         </p:txBody>
@@ -14450,40 +15512,21 @@
         </p:spPr>
         <p:txBody>
           <a:bodyPr>
-            <a:normAutofit lnSpcReduction="10000"/>
+            <a:normAutofit/>
           </a:bodyPr>
           <a:lstStyle/>
           <a:p>
             <a:pPr lvl="0"/>
             <a:r>
               <a:rPr lang="en-US" dirty="0"/>
-              <a:t>Add text, images, art, and videos. </a:t>
+              <a:t>The authority to enforce a nation-state’s will in criminal, civil, and administrative (within or outside).</a:t>
             </a:r>
           </a:p>
           <a:p>
             <a:pPr lvl="0"/>
             <a:r>
               <a:rPr lang="en-US" dirty="0"/>
-              <a:t>Add transitions, animations, and motion. </a:t>
-            </a:r>
-          </a:p>
-          <a:p>
-            <a:pPr lvl="0"/>
-            <a:r>
-              <a:rPr lang="en-US" dirty="0"/>
-              <a:t>Save to OneDrive, to get to your presentations from your computer, tablet, or phone. </a:t>
-            </a:r>
-          </a:p>
-          <a:p>
-            <a:r>
-              <a:rPr lang="en-US" dirty="0"/>
-              <a:t>Open the Design Ideas pane for instant slide makeovers. </a:t>
-            </a:r>
-          </a:p>
-          <a:p>
-            <a:r>
-              <a:rPr lang="en-US" dirty="0"/>
-              <a:t>When we have design ideas, we’ll show them to you right there.</a:t>
+              <a:t>There are subjective territorial jurisdiction (apply the law if the action starts within its territory) and objective territorial jurisdiction (law against individuals who against the state)  </a:t>
             </a:r>
           </a:p>
         </p:txBody>
@@ -14515,10 +15558,9 @@
           <a:lstStyle/>
           <a:p>
             <a:r>
-              <a:rPr lang="en-US"/>
-              <a:t>subtitle</a:t>
-            </a:r>
-            <a:endParaRPr lang="en-US" dirty="0"/>
+              <a:rPr lang="en-US" sz="1600" dirty="0"/>
+              <a:t>control</a:t>
+            </a:r>
           </a:p>
         </p:txBody>
       </p:sp>
@@ -14546,40 +15588,21 @@
         </p:spPr>
         <p:txBody>
           <a:bodyPr>
-            <a:normAutofit lnSpcReduction="10000"/>
+            <a:normAutofit/>
           </a:bodyPr>
           <a:lstStyle/>
           <a:p>
             <a:pPr lvl="0"/>
             <a:r>
               <a:rPr lang="en-US" dirty="0"/>
-              <a:t>Add text, images, art, and videos. </a:t>
+              <a:t>Prevent attacks against other countries from resources and individuals under their control or located within their borders.</a:t>
             </a:r>
           </a:p>
           <a:p>
             <a:pPr lvl="0"/>
             <a:r>
               <a:rPr lang="en-US" dirty="0"/>
-              <a:t>Add transitions, animations, and motion. </a:t>
-            </a:r>
-          </a:p>
-          <a:p>
-            <a:pPr lvl="0"/>
-            <a:r>
-              <a:rPr lang="en-US" dirty="0"/>
-              <a:t>Save to OneDrive, to get to your presentations from your computer, tablet, or phone. </a:t>
-            </a:r>
-          </a:p>
-          <a:p>
-            <a:r>
-              <a:rPr lang="en-US" dirty="0"/>
-              <a:t>Open the Design Ideas pane for instant slide makeovers. </a:t>
-            </a:r>
-          </a:p>
-          <a:p>
-            <a:r>
-              <a:rPr lang="en-US" dirty="0"/>
-              <a:t>When we have design ideas, we’ll show them to you right there.</a:t>
+              <a:t>State are required to have control to ensure that they respect the sovereign rights of other nation-states (this is difficult due to cyber attack can happen very quick)</a:t>
             </a:r>
           </a:p>
         </p:txBody>
@@ -14612,7 +15635,7 @@
           <a:p>
             <a:fld id="{2DB0C850-7869-4950-94C3-0A5408435131}" type="datetime1">
               <a:rPr lang="en-US" smtClean="0"/>
-              <a:t>9/13/2022</a:t>
+              <a:t>9/14/2022</a:t>
             </a:fld>
             <a:endParaRPr lang="en-US" dirty="0"/>
           </a:p>
@@ -14689,7 +15712,7 @@
     </p:spTree>
     <p:extLst>
       <p:ext uri="{BB962C8B-B14F-4D97-AF65-F5344CB8AC3E}">
-        <p14:creationId xmlns:p14="http://schemas.microsoft.com/office/powerpoint/2010/main" val="2985875368"/>
+        <p14:creationId xmlns:p14="http://schemas.microsoft.com/office/powerpoint/2010/main" val="1420547054"/>
       </p:ext>
     </p:extLst>
   </p:cSld>
@@ -14718,10 +15741,10 @@
       </p:grpSpPr>
       <p:sp>
         <p:nvSpPr>
-          <p:cNvPr id="2" name="Title 1">
-            <a:extLst>
-              <a:ext uri="{FF2B5EF4-FFF2-40B4-BE49-F238E27FC236}">
-                <a16:creationId xmlns:a16="http://schemas.microsoft.com/office/drawing/2014/main" id="{F2173950-7D76-1616-739E-F784B2C37015}"/>
+          <p:cNvPr id="7" name="Title 6">
+            <a:extLst>
+              <a:ext uri="{FF2B5EF4-FFF2-40B4-BE49-F238E27FC236}">
+                <a16:creationId xmlns:a16="http://schemas.microsoft.com/office/drawing/2014/main" id="{47788B34-4190-4916-9048-47720EA5ABF1}"/>
               </a:ext>
             </a:extLst>
           </p:cNvPr>
@@ -14732,147 +15755,249 @@
             <p:ph type="title"/>
           </p:nvPr>
         </p:nvSpPr>
-        <p:spPr/>
+        <p:spPr>
+          <a:xfrm>
+            <a:off x="550862" y="549275"/>
+            <a:ext cx="11097551" cy="1332000"/>
+          </a:xfrm>
+        </p:spPr>
         <p:txBody>
           <a:bodyPr/>
           <a:lstStyle/>
           <a:p>
             <a:r>
               <a:rPr lang="en-US" dirty="0"/>
-              <a:t>Reference</a:t>
-            </a:r>
-          </a:p>
-        </p:txBody>
-      </p:sp>
-      <p:sp>
-        <p:nvSpPr>
-          <p:cNvPr id="3" name="Content Placeholder 2">
-            <a:extLst>
-              <a:ext uri="{FF2B5EF4-FFF2-40B4-BE49-F238E27FC236}">
-                <a16:creationId xmlns:a16="http://schemas.microsoft.com/office/drawing/2014/main" id="{6325F5CB-62CD-AE8B-D8CB-08C27A0E0641}"/>
-              </a:ext>
-            </a:extLst>
-          </p:cNvPr>
-          <p:cNvSpPr>
-            <a:spLocks noGrp="1"/>
-          </p:cNvSpPr>
-          <p:nvPr>
-            <p:ph idx="1"/>
-          </p:nvPr>
-        </p:nvSpPr>
-        <p:spPr/>
+              <a:t>Major Parts and Sections (cont.)</a:t>
+            </a:r>
+          </a:p>
+        </p:txBody>
+      </p:sp>
+      <p:sp>
+        <p:nvSpPr>
+          <p:cNvPr id="8" name="Text Placeholder 7">
+            <a:extLst>
+              <a:ext uri="{FF2B5EF4-FFF2-40B4-BE49-F238E27FC236}">
+                <a16:creationId xmlns:a16="http://schemas.microsoft.com/office/drawing/2014/main" id="{ABA415A0-3B77-43FB-A408-5F1DA4B0AAFA}"/>
+              </a:ext>
+            </a:extLst>
+          </p:cNvPr>
+          <p:cNvSpPr>
+            <a:spLocks noGrp="1"/>
+          </p:cNvSpPr>
+          <p:nvPr>
+            <p:ph type="body" idx="1"/>
+          </p:nvPr>
+        </p:nvSpPr>
+        <p:spPr>
+          <a:xfrm>
+            <a:off x="550864" y="1731375"/>
+            <a:ext cx="5743404" cy="535354"/>
+          </a:xfrm>
+        </p:spPr>
         <p:txBody>
           <a:bodyPr/>
           <a:lstStyle/>
           <a:p>
             <a:r>
-              <a:rPr lang="en-US" sz="1800" dirty="0">
-                <a:latin typeface="Times New Roman" panose="02020603050405020304" pitchFamily="18" charset="0"/>
-                <a:ea typeface="SimSun" panose="02010600030101010101" pitchFamily="2" charset="-122"/>
-                <a:cs typeface="Times New Roman" panose="02020603050405020304" pitchFamily="18" charset="0"/>
-              </a:rPr>
-              <a:t>Chapple, M., &amp; </a:t>
-            </a:r>
-            <a:r>
-              <a:rPr lang="en-US" sz="1800" dirty="0" err="1">
-                <a:latin typeface="Times New Roman" panose="02020603050405020304" pitchFamily="18" charset="0"/>
-                <a:ea typeface="SimSun" panose="02010600030101010101" pitchFamily="2" charset="-122"/>
-                <a:cs typeface="Times New Roman" panose="02020603050405020304" pitchFamily="18" charset="0"/>
-              </a:rPr>
-              <a:t>Seidl</a:t>
-            </a:r>
-            <a:r>
-              <a:rPr lang="en-US" sz="1800" dirty="0">
-                <a:latin typeface="Times New Roman" panose="02020603050405020304" pitchFamily="18" charset="0"/>
-                <a:ea typeface="SimSun" panose="02010600030101010101" pitchFamily="2" charset="-122"/>
-                <a:cs typeface="Times New Roman" panose="02020603050405020304" pitchFamily="18" charset="0"/>
-              </a:rPr>
-              <a:t>, D. (2023). Chapter 3: Cyberwarfare, Law, and Ethics. In Cyberwarfare: Information Operations in a Connected World (Second, pp. 9–20). essay, Jones &amp; Bartlett Learning. (1)</a:t>
-            </a:r>
-          </a:p>
-          <a:p>
-            <a:r>
-              <a:rPr lang="en-US" sz="1800" dirty="0">
-                <a:latin typeface="Times New Roman" panose="02020603050405020304" pitchFamily="18" charset="0"/>
-                <a:ea typeface="SimSun" panose="02010600030101010101" pitchFamily="2" charset="-122"/>
-                <a:cs typeface="Times New Roman" panose="02020603050405020304" pitchFamily="18" charset="0"/>
-              </a:rPr>
-              <a:t>Wikipedia (n.d.) Tallinn Manual., Retrieved from https://en.wikipedia.org/wiki/Tallinn_Manual (2)</a:t>
-            </a:r>
-          </a:p>
-          <a:p>
-            <a:endParaRPr lang="en-US" sz="1800" dirty="0">
-              <a:latin typeface="Times New Roman" panose="02020603050405020304" pitchFamily="18" charset="0"/>
-              <a:ea typeface="SimSun" panose="02010600030101010101" pitchFamily="2" charset="-122"/>
-              <a:cs typeface="Times New Roman" panose="02020603050405020304" pitchFamily="18" charset="0"/>
-            </a:endParaRPr>
-          </a:p>
-          <a:p>
-            <a:endParaRPr lang="en-US" sz="1800" dirty="0">
-              <a:latin typeface="Times New Roman" panose="02020603050405020304" pitchFamily="18" charset="0"/>
-              <a:ea typeface="SimSun" panose="02010600030101010101" pitchFamily="2" charset="-122"/>
-              <a:cs typeface="Times New Roman" panose="02020603050405020304" pitchFamily="18" charset="0"/>
-            </a:endParaRPr>
-          </a:p>
-          <a:p>
-            <a:endParaRPr lang="en-US" sz="1800" dirty="0">
-              <a:latin typeface="Times New Roman" panose="02020603050405020304" pitchFamily="18" charset="0"/>
-              <a:ea typeface="SimSun" panose="02010600030101010101" pitchFamily="2" charset="-122"/>
-              <a:cs typeface="Times New Roman" panose="02020603050405020304" pitchFamily="18" charset="0"/>
-            </a:endParaRPr>
-          </a:p>
-        </p:txBody>
-      </p:sp>
-      <p:sp>
-        <p:nvSpPr>
-          <p:cNvPr id="4" name="Date Placeholder 3">
-            <a:extLst>
-              <a:ext uri="{FF2B5EF4-FFF2-40B4-BE49-F238E27FC236}">
-                <a16:creationId xmlns:a16="http://schemas.microsoft.com/office/drawing/2014/main" id="{02A77700-B2F5-F9DD-2268-9129BECE5240}"/>
-              </a:ext>
-            </a:extLst>
-          </p:cNvPr>
-          <p:cNvSpPr>
-            <a:spLocks noGrp="1"/>
-          </p:cNvSpPr>
-          <p:nvPr>
-            <p:ph type="dt" sz="half" idx="10"/>
-          </p:nvPr>
-        </p:nvSpPr>
-        <p:spPr/>
+              <a:rPr lang="en-US" sz="1600" dirty="0"/>
+              <a:t>Responsibility</a:t>
+            </a:r>
+          </a:p>
+        </p:txBody>
+      </p:sp>
+      <p:sp>
+        <p:nvSpPr>
+          <p:cNvPr id="9" name="Content Placeholder 8">
+            <a:extLst>
+              <a:ext uri="{FF2B5EF4-FFF2-40B4-BE49-F238E27FC236}">
+                <a16:creationId xmlns:a16="http://schemas.microsoft.com/office/drawing/2014/main" id="{8598ECEC-4413-4244-8F21-0076EC511806}"/>
+              </a:ext>
+            </a:extLst>
+          </p:cNvPr>
+          <p:cNvSpPr>
+            <a:spLocks noGrp="1"/>
+          </p:cNvSpPr>
+          <p:nvPr>
+            <p:ph sz="half" idx="2"/>
+          </p:nvPr>
+        </p:nvSpPr>
+        <p:spPr>
+          <a:xfrm>
+            <a:off x="559476" y="2432304"/>
+            <a:ext cx="5734792" cy="3515555"/>
+          </a:xfrm>
+        </p:spPr>
+        <p:txBody>
+          <a:bodyPr>
+            <a:normAutofit/>
+          </a:bodyPr>
+          <a:lstStyle/>
+          <a:p>
+            <a:r>
+              <a:rPr lang="en-US" dirty="0"/>
+              <a:t>Nation-states are responsible for action when action can be attributed to them under international law, or the action is a breach of international law (that includes neglecting their responsibility or inaction).</a:t>
+            </a:r>
+          </a:p>
+          <a:p>
+            <a:r>
+              <a:rPr lang="en-US" dirty="0"/>
+              <a:t>There are 3 types of proof: Forensic (factual) proof, technical proof, and political proof.</a:t>
+            </a:r>
+          </a:p>
+          <a:p>
+            <a:r>
+              <a:rPr lang="en-US" dirty="0"/>
+              <a:t>Nonstate actors will be considered an act of State if they are in fact acting under the instruction/direction/control of that State to carry out the conduct</a:t>
+            </a:r>
+          </a:p>
+          <a:p>
+            <a:endParaRPr lang="en-US" dirty="0"/>
+          </a:p>
+        </p:txBody>
+      </p:sp>
+      <p:sp>
+        <p:nvSpPr>
+          <p:cNvPr id="12" name="Text Placeholder 11">
+            <a:extLst>
+              <a:ext uri="{FF2B5EF4-FFF2-40B4-BE49-F238E27FC236}">
+                <a16:creationId xmlns:a16="http://schemas.microsoft.com/office/drawing/2014/main" id="{3A63626D-0E6E-4023-ABFC-A744C9862159}"/>
+              </a:ext>
+            </a:extLst>
+          </p:cNvPr>
+          <p:cNvSpPr>
+            <a:spLocks noGrp="1"/>
+          </p:cNvSpPr>
+          <p:nvPr>
+            <p:ph type="body" sz="quarter" idx="13"/>
+          </p:nvPr>
+        </p:nvSpPr>
+        <p:spPr>
+          <a:xfrm>
+            <a:off x="6548755" y="1766095"/>
+            <a:ext cx="3566160" cy="535354"/>
+          </a:xfrm>
+        </p:spPr>
         <p:txBody>
           <a:bodyPr/>
           <a:lstStyle/>
           <a:p>
-            <a:fld id="{0E2DE241-4DDF-4071-9C6C-7F97043FB3DC}" type="datetime1">
-              <a:rPr lang="en-US" smtClean="0"/>
-              <a:t>9/13/2022</a:t>
-            </a:fld>
-            <a:endParaRPr lang="en-US"/>
-          </a:p>
-        </p:txBody>
-      </p:sp>
-      <p:sp>
-        <p:nvSpPr>
-          <p:cNvPr id="5" name="Footer Placeholder 4">
-            <a:extLst>
-              <a:ext uri="{FF2B5EF4-FFF2-40B4-BE49-F238E27FC236}">
-                <a16:creationId xmlns:a16="http://schemas.microsoft.com/office/drawing/2014/main" id="{C304FD9F-DC0B-C66C-F381-DB5A91F4E594}"/>
-              </a:ext>
-            </a:extLst>
-          </p:cNvPr>
-          <p:cNvSpPr>
-            <a:spLocks noGrp="1"/>
-          </p:cNvSpPr>
-          <p:nvPr>
-            <p:ph type="ftr" sz="quarter" idx="11"/>
-          </p:nvPr>
-        </p:nvSpPr>
-        <p:spPr/>
+            <a:r>
+              <a:rPr lang="en-US" sz="1600" dirty="0"/>
+              <a:t>mercenaries</a:t>
+            </a:r>
+          </a:p>
+        </p:txBody>
+      </p:sp>
+      <p:sp>
+        <p:nvSpPr>
+          <p:cNvPr id="13" name="Content Placeholder 12">
+            <a:extLst>
+              <a:ext uri="{FF2B5EF4-FFF2-40B4-BE49-F238E27FC236}">
+                <a16:creationId xmlns:a16="http://schemas.microsoft.com/office/drawing/2014/main" id="{258E9390-685C-4BAD-BFAD-EC56E81C4745}"/>
+              </a:ext>
+            </a:extLst>
+          </p:cNvPr>
+          <p:cNvSpPr>
+            <a:spLocks noGrp="1"/>
+          </p:cNvSpPr>
+          <p:nvPr>
+            <p:ph sz="quarter" idx="14"/>
+          </p:nvPr>
+        </p:nvSpPr>
+        <p:spPr>
+          <a:xfrm>
+            <a:off x="6756299" y="2440628"/>
+            <a:ext cx="4358544" cy="3515555"/>
+          </a:xfrm>
+        </p:spPr>
+        <p:txBody>
+          <a:bodyPr>
+            <a:normAutofit/>
+          </a:bodyPr>
+          <a:lstStyle/>
+          <a:p>
+            <a:pPr lvl="0"/>
+            <a:r>
+              <a:rPr lang="en-US" dirty="0"/>
+              <a:t>The use of hired combatants’ cyber warfare will be considered as a non-state actor.  There are six key elements to define a mercenary according to Geneva Conventions.</a:t>
+            </a:r>
+          </a:p>
+          <a:p>
+            <a:pPr lvl="0"/>
+            <a:r>
+              <a:rPr lang="en-US" dirty="0"/>
+              <a:t> Identifying mercenaries is more difficult if they are employed as a part of a nation’s computer network attack offensives.</a:t>
+            </a:r>
+          </a:p>
+          <a:p>
+            <a:pPr lvl="0"/>
+            <a:r>
+              <a:rPr lang="en-US" dirty="0"/>
+              <a:t> </a:t>
+            </a:r>
+          </a:p>
+        </p:txBody>
+      </p:sp>
+      <p:sp>
+        <p:nvSpPr>
+          <p:cNvPr id="14" name="Date Placeholder 13">
+            <a:extLst>
+              <a:ext uri="{FF2B5EF4-FFF2-40B4-BE49-F238E27FC236}">
+                <a16:creationId xmlns:a16="http://schemas.microsoft.com/office/drawing/2014/main" id="{D236478C-E242-44E0-8357-C72C9B588CA7}"/>
+              </a:ext>
+            </a:extLst>
+          </p:cNvPr>
+          <p:cNvSpPr>
+            <a:spLocks noGrp="1"/>
+          </p:cNvSpPr>
+          <p:nvPr>
+            <p:ph type="dt" sz="half" idx="10"/>
+          </p:nvPr>
+        </p:nvSpPr>
+        <p:spPr>
+          <a:xfrm>
+            <a:off x="550863" y="6507212"/>
+            <a:ext cx="2628900" cy="153888"/>
+          </a:xfrm>
+        </p:spPr>
         <p:txBody>
           <a:bodyPr/>
           <a:lstStyle/>
           <a:p>
+            <a:fld id="{2DB0C850-7869-4950-94C3-0A5408435131}" type="datetime1">
+              <a:rPr lang="en-US" smtClean="0"/>
+              <a:t>9/14/2022</a:t>
+            </a:fld>
+            <a:endParaRPr lang="en-US" dirty="0"/>
+          </a:p>
+        </p:txBody>
+      </p:sp>
+      <p:sp>
+        <p:nvSpPr>
+          <p:cNvPr id="15" name="Footer Placeholder 14">
+            <a:extLst>
+              <a:ext uri="{FF2B5EF4-FFF2-40B4-BE49-F238E27FC236}">
+                <a16:creationId xmlns:a16="http://schemas.microsoft.com/office/drawing/2014/main" id="{65A6DC02-681E-4AF7-AC6E-57CDDB2FBA28}"/>
+              </a:ext>
+            </a:extLst>
+          </p:cNvPr>
+          <p:cNvSpPr>
+            <a:spLocks noGrp="1"/>
+          </p:cNvSpPr>
+          <p:nvPr>
+            <p:ph type="ftr" sz="quarter" idx="11"/>
+          </p:nvPr>
+        </p:nvSpPr>
+        <p:spPr>
+          <a:xfrm>
+            <a:off x="3359150" y="6507212"/>
+            <a:ext cx="6379210" cy="153888"/>
+          </a:xfrm>
+        </p:spPr>
+        <p:txBody>
+          <a:bodyPr/>
+          <a:lstStyle/>
+          <a:p>
             <a:r>
               <a:rPr lang="en-US"/>
               <a:t>Tallinn Manual</a:t>
@@ -14882,10 +16007,10 @@
       </p:sp>
       <p:sp>
         <p:nvSpPr>
-          <p:cNvPr id="6" name="Slide Number Placeholder 5">
-            <a:extLst>
-              <a:ext uri="{FF2B5EF4-FFF2-40B4-BE49-F238E27FC236}">
-                <a16:creationId xmlns:a16="http://schemas.microsoft.com/office/drawing/2014/main" id="{74553888-9C94-7AC5-FF0A-58587FF96A99}"/>
+          <p:cNvPr id="16" name="Slide Number Placeholder 15">
+            <a:extLst>
+              <a:ext uri="{FF2B5EF4-FFF2-40B4-BE49-F238E27FC236}">
+                <a16:creationId xmlns:a16="http://schemas.microsoft.com/office/drawing/2014/main" id="{CF0A8666-4477-461C-A79D-E91232EE973E}"/>
               </a:ext>
             </a:extLst>
           </p:cNvPr>
@@ -14896,13 +16021,19 @@
             <p:ph type="sldNum" sz="quarter" idx="12"/>
           </p:nvPr>
         </p:nvSpPr>
-        <p:spPr/>
+        <p:spPr>
+          <a:xfrm>
+            <a:off x="9948863" y="6507212"/>
+            <a:ext cx="1692274" cy="153888"/>
+          </a:xfrm>
+        </p:spPr>
         <p:txBody>
           <a:bodyPr/>
           <a:lstStyle/>
           <a:p>
             <a:fld id="{DBA1B0FB-D917-4C8C-928F-313BD683BF39}" type="slidenum">
               <a:rPr lang="en-US" smtClean="0"/>
+              <a:pPr/>
               <a:t>6</a:t>
             </a:fld>
             <a:endParaRPr lang="en-US"/>
@@ -14912,7 +16043,7 @@
     </p:spTree>
     <p:extLst>
       <p:ext uri="{BB962C8B-B14F-4D97-AF65-F5344CB8AC3E}">
-        <p14:creationId xmlns:p14="http://schemas.microsoft.com/office/powerpoint/2010/main" val="3746190792"/>
+        <p14:creationId xmlns:p14="http://schemas.microsoft.com/office/powerpoint/2010/main" val="2985875368"/>
       </p:ext>
     </p:extLst>
   </p:cSld>
@@ -14941,24 +16072,24 @@
       </p:grpSpPr>
       <p:sp>
         <p:nvSpPr>
-          <p:cNvPr id="22" name="Title 21">
-            <a:extLst>
-              <a:ext uri="{FF2B5EF4-FFF2-40B4-BE49-F238E27FC236}">
-                <a16:creationId xmlns:a16="http://schemas.microsoft.com/office/drawing/2014/main" id="{F8FAEED9-1ECD-45F9-87A0-9394BAEABB79}"/>
-              </a:ext>
-            </a:extLst>
-          </p:cNvPr>
-          <p:cNvSpPr>
-            <a:spLocks noGrp="1"/>
-          </p:cNvSpPr>
-          <p:nvPr>
-            <p:ph type="ctrTitle"/>
+          <p:cNvPr id="7" name="Title 6">
+            <a:extLst>
+              <a:ext uri="{FF2B5EF4-FFF2-40B4-BE49-F238E27FC236}">
+                <a16:creationId xmlns:a16="http://schemas.microsoft.com/office/drawing/2014/main" id="{47788B34-4190-4916-9048-47720EA5ABF1}"/>
+              </a:ext>
+            </a:extLst>
+          </p:cNvPr>
+          <p:cNvSpPr>
+            <a:spLocks noGrp="1"/>
+          </p:cNvSpPr>
+          <p:nvPr>
+            <p:ph type="title"/>
           </p:nvPr>
         </p:nvSpPr>
         <p:spPr>
           <a:xfrm>
-            <a:off x="550863" y="549275"/>
-            <a:ext cx="5437187" cy="2986234"/>
+            <a:off x="550862" y="549275"/>
+            <a:ext cx="11097551" cy="1332000"/>
           </a:xfrm>
         </p:spPr>
         <p:txBody>
@@ -14967,31 +16098,31 @@
           <a:p>
             <a:r>
               <a:rPr lang="en-US" dirty="0"/>
-              <a:t>Thank You</a:t>
-            </a:r>
-          </a:p>
-        </p:txBody>
-      </p:sp>
-      <p:sp>
-        <p:nvSpPr>
-          <p:cNvPr id="23" name="Subtitle 22">
-            <a:extLst>
-              <a:ext uri="{FF2B5EF4-FFF2-40B4-BE49-F238E27FC236}">
-                <a16:creationId xmlns:a16="http://schemas.microsoft.com/office/drawing/2014/main" id="{8E5E4638-9BCB-4C2E-914F-CC868E2020D5}"/>
-              </a:ext>
-            </a:extLst>
-          </p:cNvPr>
-          <p:cNvSpPr>
-            <a:spLocks noGrp="1"/>
-          </p:cNvSpPr>
-          <p:nvPr>
-            <p:ph type="subTitle" idx="1"/>
+              <a:t>Major Parts and Sections (cont.)</a:t>
+            </a:r>
+          </a:p>
+        </p:txBody>
+      </p:sp>
+      <p:sp>
+        <p:nvSpPr>
+          <p:cNvPr id="8" name="Text Placeholder 7">
+            <a:extLst>
+              <a:ext uri="{FF2B5EF4-FFF2-40B4-BE49-F238E27FC236}">
+                <a16:creationId xmlns:a16="http://schemas.microsoft.com/office/drawing/2014/main" id="{ABA415A0-3B77-43FB-A408-5F1DA4B0AAFA}"/>
+              </a:ext>
+            </a:extLst>
+          </p:cNvPr>
+          <p:cNvSpPr>
+            <a:spLocks noGrp="1"/>
+          </p:cNvSpPr>
+          <p:nvPr>
+            <p:ph type="body" idx="1"/>
           </p:nvPr>
         </p:nvSpPr>
         <p:spPr>
           <a:xfrm>
-            <a:off x="550863" y="3827610"/>
-            <a:ext cx="5437187" cy="2265216"/>
+            <a:off x="550864" y="1731375"/>
+            <a:ext cx="5743404" cy="535354"/>
           </a:xfrm>
         </p:spPr>
         <p:txBody>
@@ -15000,91 +16131,184 @@
           <a:p>
             <a:r>
               <a:rPr lang="en-US" dirty="0"/>
-              <a:t>Truc Huynh</a:t>
-            </a:r>
-          </a:p>
-          <a:p>
-            <a:r>
-              <a:rPr lang="en-US" dirty="0"/>
-              <a:t>huyntl02@pfw.edu</a:t>
-            </a:r>
-          </a:p>
-        </p:txBody>
-      </p:sp>
-      <p:pic>
-        <p:nvPicPr>
-          <p:cNvPr id="27" name="Picture Placeholder 26" descr="Data Points Digital background">
-            <a:extLst>
-              <a:ext uri="{FF2B5EF4-FFF2-40B4-BE49-F238E27FC236}">
-                <a16:creationId xmlns:a16="http://schemas.microsoft.com/office/drawing/2014/main" id="{9E660784-34E2-4CDA-926A-DDD6AAF35046}"/>
-              </a:ext>
-            </a:extLst>
-          </p:cNvPr>
-          <p:cNvPicPr>
-            <a:picLocks noGrp="1" noChangeAspect="1"/>
-          </p:cNvPicPr>
-          <p:nvPr>
-            <p:ph type="pic" sz="quarter" idx="15"/>
-          </p:nvPr>
-        </p:nvPicPr>
-        <p:blipFill rotWithShape="1">
-          <a:blip r:embed="rId2" cstate="screen">
-            <a:extLst>
-              <a:ext uri="{28A0092B-C50C-407E-A947-70E740481C1C}">
-                <a14:useLocalDpi xmlns:a14="http://schemas.microsoft.com/office/drawing/2010/main" val="0"/>
-              </a:ext>
-            </a:extLst>
-          </a:blip>
-          <a:srcRect/>
-          <a:stretch/>
-        </p:blipFill>
+              <a:t>The use of force</a:t>
+            </a:r>
+          </a:p>
+        </p:txBody>
+      </p:sp>
+      <p:sp>
+        <p:nvSpPr>
+          <p:cNvPr id="9" name="Content Placeholder 8">
+            <a:extLst>
+              <a:ext uri="{FF2B5EF4-FFF2-40B4-BE49-F238E27FC236}">
+                <a16:creationId xmlns:a16="http://schemas.microsoft.com/office/drawing/2014/main" id="{8598ECEC-4413-4244-8F21-0076EC511806}"/>
+              </a:ext>
+            </a:extLst>
+          </p:cNvPr>
+          <p:cNvSpPr>
+            <a:spLocks noGrp="1"/>
+          </p:cNvSpPr>
+          <p:nvPr>
+            <p:ph sz="half" idx="2"/>
+          </p:nvPr>
+        </p:nvSpPr>
         <p:spPr>
           <a:xfrm>
-            <a:off x="6556248" y="548640"/>
-            <a:ext cx="5084064" cy="2880360"/>
+            <a:off x="559476" y="2432304"/>
+            <a:ext cx="5734792" cy="3515555"/>
           </a:xfrm>
         </p:spPr>
-      </p:pic>
-      <p:pic>
-        <p:nvPicPr>
-          <p:cNvPr id="33" name="Picture Placeholder 32" descr="Data Points Digital background">
-            <a:extLst>
-              <a:ext uri="{FF2B5EF4-FFF2-40B4-BE49-F238E27FC236}">
-                <a16:creationId xmlns:a16="http://schemas.microsoft.com/office/drawing/2014/main" id="{48106962-23C6-4DFE-BB3A-E5FFF03F38CE}"/>
-              </a:ext>
-            </a:extLst>
-          </p:cNvPr>
-          <p:cNvPicPr>
-            <a:picLocks noGrp="1" noChangeAspect="1"/>
-          </p:cNvPicPr>
-          <p:nvPr>
-            <p:ph type="pic" sz="quarter" idx="16"/>
-          </p:nvPr>
-        </p:nvPicPr>
-        <p:blipFill rotWithShape="1">
-          <a:blip r:embed="rId3" cstate="screen">
-            <a:extLst>
-              <a:ext uri="{28A0092B-C50C-407E-A947-70E740481C1C}">
-                <a14:useLocalDpi xmlns:a14="http://schemas.microsoft.com/office/drawing/2010/main" val="0"/>
-              </a:ext>
-            </a:extLst>
-          </a:blip>
-          <a:srcRect/>
-          <a:stretch/>
-        </p:blipFill>
+        <p:txBody>
+          <a:bodyPr>
+            <a:normAutofit/>
+          </a:bodyPr>
+          <a:lstStyle/>
+          <a:p>
+            <a:r>
+              <a:rPr lang="en-US" dirty="0"/>
+              <a:t>Most important point in the Tallinn Manual. Cover when forces are used, what events, what is the meaning of a use force</a:t>
+            </a:r>
+          </a:p>
+          <a:p>
+            <a:r>
+              <a:rPr lang="en-US" dirty="0"/>
+              <a:t>Cyber attack rising with the same level of impact as an armed attack would qualify as a use of force. </a:t>
+            </a:r>
+          </a:p>
+          <a:p>
+            <a:r>
+              <a:rPr lang="en-US" dirty="0"/>
+              <a:t>Cyberoperations are much difficult to measure than a direct arm response</a:t>
+            </a:r>
+          </a:p>
+          <a:p>
+            <a:endParaRPr lang="en-US" dirty="0"/>
+          </a:p>
+        </p:txBody>
+      </p:sp>
+      <p:sp>
+        <p:nvSpPr>
+          <p:cNvPr id="12" name="Text Placeholder 11">
+            <a:extLst>
+              <a:ext uri="{FF2B5EF4-FFF2-40B4-BE49-F238E27FC236}">
+                <a16:creationId xmlns:a16="http://schemas.microsoft.com/office/drawing/2014/main" id="{3A63626D-0E6E-4023-ABFC-A744C9862159}"/>
+              </a:ext>
+            </a:extLst>
+          </p:cNvPr>
+          <p:cNvSpPr>
+            <a:spLocks noGrp="1"/>
+          </p:cNvSpPr>
+          <p:nvPr>
+            <p:ph type="body" sz="quarter" idx="13"/>
+          </p:nvPr>
+        </p:nvSpPr>
         <p:spPr>
           <a:xfrm>
-            <a:off x="6556248" y="3429000"/>
-            <a:ext cx="5084064" cy="2880360"/>
+            <a:off x="6548755" y="1766095"/>
+            <a:ext cx="3566160" cy="535354"/>
           </a:xfrm>
         </p:spPr>
-      </p:pic>
-      <p:sp>
-        <p:nvSpPr>
-          <p:cNvPr id="4" name="Date Placeholder 3">
-            <a:extLst>
-              <a:ext uri="{FF2B5EF4-FFF2-40B4-BE49-F238E27FC236}">
-                <a16:creationId xmlns:a16="http://schemas.microsoft.com/office/drawing/2014/main" id="{7823E305-6365-4345-8BD1-4A31C61D96CB}"/>
+        <p:txBody>
+          <a:bodyPr/>
+          <a:lstStyle/>
+          <a:p>
+            <a:r>
+              <a:rPr lang="en-US" dirty="0"/>
+              <a:t>Measuring force</a:t>
+            </a:r>
+          </a:p>
+        </p:txBody>
+      </p:sp>
+      <p:sp>
+        <p:nvSpPr>
+          <p:cNvPr id="13" name="Content Placeholder 12">
+            <a:extLst>
+              <a:ext uri="{FF2B5EF4-FFF2-40B4-BE49-F238E27FC236}">
+                <a16:creationId xmlns:a16="http://schemas.microsoft.com/office/drawing/2014/main" id="{258E9390-685C-4BAD-BFAD-EC56E81C4745}"/>
+              </a:ext>
+            </a:extLst>
+          </p:cNvPr>
+          <p:cNvSpPr>
+            <a:spLocks noGrp="1"/>
+          </p:cNvSpPr>
+          <p:nvPr>
+            <p:ph sz="quarter" idx="14"/>
+          </p:nvPr>
+        </p:nvSpPr>
+        <p:spPr>
+          <a:xfrm>
+            <a:off x="6756299" y="2440628"/>
+            <a:ext cx="4358544" cy="3515555"/>
+          </a:xfrm>
+        </p:spPr>
+        <p:txBody>
+          <a:bodyPr>
+            <a:normAutofit fontScale="92500" lnSpcReduction="10000"/>
+          </a:bodyPr>
+          <a:lstStyle/>
+          <a:p>
+            <a:pPr marL="0" lvl="0" indent="0">
+              <a:buNone/>
+            </a:pPr>
+            <a:r>
+              <a:rPr lang="en-US" dirty="0"/>
+              <a:t>Six major criteria: </a:t>
+            </a:r>
+          </a:p>
+          <a:p>
+            <a:pPr lvl="0"/>
+            <a:r>
+              <a:rPr lang="en-US" dirty="0"/>
+              <a:t>The severity of the attack or action</a:t>
+            </a:r>
+          </a:p>
+          <a:p>
+            <a:pPr lvl="0"/>
+            <a:r>
+              <a:rPr lang="en-US" dirty="0"/>
+              <a:t>The immediacy of the action’s result</a:t>
+            </a:r>
+          </a:p>
+          <a:p>
+            <a:pPr lvl="0"/>
+            <a:r>
+              <a:rPr lang="en-US" dirty="0"/>
+              <a:t>The directness of that action’s impact</a:t>
+            </a:r>
+          </a:p>
+          <a:p>
+            <a:pPr lvl="0"/>
+            <a:r>
+              <a:rPr lang="en-US" dirty="0"/>
+              <a:t>The invasiveness of the attack or action as measured against the security system</a:t>
+            </a:r>
+          </a:p>
+          <a:p>
+            <a:pPr lvl="0"/>
+            <a:r>
+              <a:rPr lang="en-US" dirty="0"/>
+              <a:t>The presence of measurable damage</a:t>
+            </a:r>
+          </a:p>
+          <a:p>
+            <a:pPr lvl="0"/>
+            <a:r>
+              <a:rPr lang="en-US" dirty="0"/>
+              <a:t>The presence of a military character </a:t>
+            </a:r>
+          </a:p>
+          <a:p>
+            <a:pPr lvl="0"/>
+            <a:endParaRPr lang="en-US" dirty="0"/>
+          </a:p>
+        </p:txBody>
+      </p:sp>
+      <p:sp>
+        <p:nvSpPr>
+          <p:cNvPr id="14" name="Date Placeholder 13">
+            <a:extLst>
+              <a:ext uri="{FF2B5EF4-FFF2-40B4-BE49-F238E27FC236}">
+                <a16:creationId xmlns:a16="http://schemas.microsoft.com/office/drawing/2014/main" id="{D236478C-E242-44E0-8357-C72C9B588CA7}"/>
               </a:ext>
             </a:extLst>
           </p:cNvPr>
@@ -15105,20 +16329,20 @@
           <a:bodyPr/>
           <a:lstStyle/>
           <a:p>
-            <a:fld id="{70A273C8-E57C-460E-B1E6-4177D32EA93C}" type="datetime1">
+            <a:fld id="{2DB0C850-7869-4950-94C3-0A5408435131}" type="datetime1">
               <a:rPr lang="en-US" smtClean="0"/>
-              <a:t>9/13/2022</a:t>
+              <a:t>9/14/2022</a:t>
             </a:fld>
-            <a:endParaRPr lang="en-US"/>
-          </a:p>
-        </p:txBody>
-      </p:sp>
-      <p:sp>
-        <p:nvSpPr>
-          <p:cNvPr id="5" name="Footer Placeholder 4">
-            <a:extLst>
-              <a:ext uri="{FF2B5EF4-FFF2-40B4-BE49-F238E27FC236}">
-                <a16:creationId xmlns:a16="http://schemas.microsoft.com/office/drawing/2014/main" id="{0B37A3FF-ED32-4C4A-A21F-848A3BF6F896}"/>
+            <a:endParaRPr lang="en-US" dirty="0"/>
+          </a:p>
+        </p:txBody>
+      </p:sp>
+      <p:sp>
+        <p:nvSpPr>
+          <p:cNvPr id="15" name="Footer Placeholder 14">
+            <a:extLst>
+              <a:ext uri="{FF2B5EF4-FFF2-40B4-BE49-F238E27FC236}">
+                <a16:creationId xmlns:a16="http://schemas.microsoft.com/office/drawing/2014/main" id="{65A6DC02-681E-4AF7-AC6E-57CDDB2FBA28}"/>
               </a:ext>
             </a:extLst>
           </p:cNvPr>
@@ -15148,10 +16372,10 @@
       </p:sp>
       <p:sp>
         <p:nvSpPr>
-          <p:cNvPr id="6" name="Slide Number Placeholder 5">
-            <a:extLst>
-              <a:ext uri="{FF2B5EF4-FFF2-40B4-BE49-F238E27FC236}">
-                <a16:creationId xmlns:a16="http://schemas.microsoft.com/office/drawing/2014/main" id="{36E60F23-FB58-4EF8-82FD-E86CED25FDD4}"/>
+          <p:cNvPr id="16" name="Slide Number Placeholder 15">
+            <a:extLst>
+              <a:ext uri="{FF2B5EF4-FFF2-40B4-BE49-F238E27FC236}">
+                <a16:creationId xmlns:a16="http://schemas.microsoft.com/office/drawing/2014/main" id="{CF0A8666-4477-461C-A79D-E91232EE973E}"/>
               </a:ext>
             </a:extLst>
           </p:cNvPr>
@@ -15184,7 +16408,810 @@
     </p:spTree>
     <p:extLst>
       <p:ext uri="{BB962C8B-B14F-4D97-AF65-F5344CB8AC3E}">
-        <p14:creationId xmlns:p14="http://schemas.microsoft.com/office/powerpoint/2010/main" val="3247798845"/>
+        <p14:creationId xmlns:p14="http://schemas.microsoft.com/office/powerpoint/2010/main" val="2412370832"/>
+      </p:ext>
+    </p:extLst>
+  </p:cSld>
+  <p:clrMapOvr>
+    <a:masterClrMapping/>
+  </p:clrMapOvr>
+</p:sld>
+</file>
+
+<file path=ppt/slides/slide8.xml><?xml version="1.0" encoding="utf-8"?>
+<p:sld xmlns:a="http://schemas.openxmlformats.org/drawingml/2006/main" xmlns:r="http://schemas.openxmlformats.org/officeDocument/2006/relationships" xmlns:p="http://schemas.openxmlformats.org/presentationml/2006/main">
+  <p:cSld>
+    <p:spTree>
+      <p:nvGrpSpPr>
+        <p:cNvPr id="1" name=""/>
+        <p:cNvGrpSpPr/>
+        <p:nvPr/>
+      </p:nvGrpSpPr>
+      <p:grpSpPr>
+        <a:xfrm>
+          <a:off x="0" y="0"/>
+          <a:ext cx="0" cy="0"/>
+          <a:chOff x="0" y="0"/>
+          <a:chExt cx="0" cy="0"/>
+        </a:xfrm>
+      </p:grpSpPr>
+      <p:sp>
+        <p:nvSpPr>
+          <p:cNvPr id="7" name="Title 6">
+            <a:extLst>
+              <a:ext uri="{FF2B5EF4-FFF2-40B4-BE49-F238E27FC236}">
+                <a16:creationId xmlns:a16="http://schemas.microsoft.com/office/drawing/2014/main" id="{47788B34-4190-4916-9048-47720EA5ABF1}"/>
+              </a:ext>
+            </a:extLst>
+          </p:cNvPr>
+          <p:cNvSpPr>
+            <a:spLocks noGrp="1"/>
+          </p:cNvSpPr>
+          <p:nvPr>
+            <p:ph type="title"/>
+          </p:nvPr>
+        </p:nvSpPr>
+        <p:spPr>
+          <a:xfrm>
+            <a:off x="550862" y="549275"/>
+            <a:ext cx="11097551" cy="1332000"/>
+          </a:xfrm>
+        </p:spPr>
+        <p:txBody>
+          <a:bodyPr/>
+          <a:lstStyle/>
+          <a:p>
+            <a:r>
+              <a:rPr lang="en-US" dirty="0"/>
+              <a:t>Major Parts and Sections (cont.)</a:t>
+            </a:r>
+          </a:p>
+        </p:txBody>
+      </p:sp>
+      <p:sp>
+        <p:nvSpPr>
+          <p:cNvPr id="8" name="Text Placeholder 7">
+            <a:extLst>
+              <a:ext uri="{FF2B5EF4-FFF2-40B4-BE49-F238E27FC236}">
+                <a16:creationId xmlns:a16="http://schemas.microsoft.com/office/drawing/2014/main" id="{ABA415A0-3B77-43FB-A408-5F1DA4B0AAFA}"/>
+              </a:ext>
+            </a:extLst>
+          </p:cNvPr>
+          <p:cNvSpPr>
+            <a:spLocks noGrp="1"/>
+          </p:cNvSpPr>
+          <p:nvPr>
+            <p:ph type="body" idx="1"/>
+          </p:nvPr>
+        </p:nvSpPr>
+        <p:spPr>
+          <a:xfrm>
+            <a:off x="550864" y="1731375"/>
+            <a:ext cx="3563936" cy="535354"/>
+          </a:xfrm>
+        </p:spPr>
+        <p:txBody>
+          <a:bodyPr/>
+          <a:lstStyle/>
+          <a:p>
+            <a:pPr algn="ctr"/>
+            <a:r>
+              <a:rPr lang="en-US" sz="1600" dirty="0"/>
+              <a:t>Threats of force</a:t>
+            </a:r>
+          </a:p>
+        </p:txBody>
+      </p:sp>
+      <p:sp>
+        <p:nvSpPr>
+          <p:cNvPr id="9" name="Content Placeholder 8">
+            <a:extLst>
+              <a:ext uri="{FF2B5EF4-FFF2-40B4-BE49-F238E27FC236}">
+                <a16:creationId xmlns:a16="http://schemas.microsoft.com/office/drawing/2014/main" id="{8598ECEC-4413-4244-8F21-0076EC511806}"/>
+              </a:ext>
+            </a:extLst>
+          </p:cNvPr>
+          <p:cNvSpPr>
+            <a:spLocks noGrp="1"/>
+          </p:cNvSpPr>
+          <p:nvPr>
+            <p:ph sz="half" idx="2"/>
+          </p:nvPr>
+        </p:nvSpPr>
+        <p:spPr>
+          <a:xfrm>
+            <a:off x="559476" y="2432304"/>
+            <a:ext cx="3563936" cy="3515555"/>
+          </a:xfrm>
+        </p:spPr>
+        <p:txBody>
+          <a:bodyPr>
+            <a:normAutofit/>
+          </a:bodyPr>
+          <a:lstStyle/>
+          <a:p>
+            <a:r>
+              <a:rPr lang="en-US" dirty="0"/>
+              <a:t>All members shall refrain in their international relations from the threat or use of force against the territorial integrity or political independence of any State</a:t>
+            </a:r>
+          </a:p>
+        </p:txBody>
+      </p:sp>
+      <p:sp>
+        <p:nvSpPr>
+          <p:cNvPr id="12" name="Text Placeholder 11">
+            <a:extLst>
+              <a:ext uri="{FF2B5EF4-FFF2-40B4-BE49-F238E27FC236}">
+                <a16:creationId xmlns:a16="http://schemas.microsoft.com/office/drawing/2014/main" id="{3A63626D-0E6E-4023-ABFC-A744C9862159}"/>
+              </a:ext>
+            </a:extLst>
+          </p:cNvPr>
+          <p:cNvSpPr>
+            <a:spLocks noGrp="1"/>
+          </p:cNvSpPr>
+          <p:nvPr>
+            <p:ph type="body" sz="quarter" idx="13"/>
+          </p:nvPr>
+        </p:nvSpPr>
+        <p:spPr>
+          <a:xfrm>
+            <a:off x="4341573" y="1731375"/>
+            <a:ext cx="3566160" cy="535354"/>
+          </a:xfrm>
+        </p:spPr>
+        <p:txBody>
+          <a:bodyPr/>
+          <a:lstStyle/>
+          <a:p>
+            <a:pPr algn="ctr"/>
+            <a:r>
+              <a:rPr lang="en-US" sz="1600" dirty="0"/>
+              <a:t>Self-defense</a:t>
+            </a:r>
+          </a:p>
+        </p:txBody>
+      </p:sp>
+      <p:sp>
+        <p:nvSpPr>
+          <p:cNvPr id="13" name="Content Placeholder 12">
+            <a:extLst>
+              <a:ext uri="{FF2B5EF4-FFF2-40B4-BE49-F238E27FC236}">
+                <a16:creationId xmlns:a16="http://schemas.microsoft.com/office/drawing/2014/main" id="{258E9390-685C-4BAD-BFAD-EC56E81C4745}"/>
+              </a:ext>
+            </a:extLst>
+          </p:cNvPr>
+          <p:cNvSpPr>
+            <a:spLocks noGrp="1"/>
+          </p:cNvSpPr>
+          <p:nvPr>
+            <p:ph sz="quarter" idx="14"/>
+          </p:nvPr>
+        </p:nvSpPr>
+        <p:spPr>
+          <a:xfrm>
+            <a:off x="4341573" y="2427370"/>
+            <a:ext cx="3508755" cy="3515555"/>
+          </a:xfrm>
+        </p:spPr>
+        <p:txBody>
+          <a:bodyPr>
+            <a:normAutofit/>
+          </a:bodyPr>
+          <a:lstStyle/>
+          <a:p>
+            <a:pPr lvl="0"/>
+            <a:r>
+              <a:rPr lang="en-US" dirty="0"/>
+              <a:t>Self-defense in kinetic warfare is often a comparatively simple concept, with aggressors engaging in kinetic attacks</a:t>
+            </a:r>
+          </a:p>
+          <a:p>
+            <a:pPr lvl="0"/>
+            <a:r>
+              <a:rPr lang="en-US" dirty="0"/>
+              <a:t>The right to self-defense against cyber attacks is a reasonable expectation</a:t>
+            </a:r>
+          </a:p>
+        </p:txBody>
+      </p:sp>
+      <p:sp>
+        <p:nvSpPr>
+          <p:cNvPr id="10" name="Text Placeholder 9">
+            <a:extLst>
+              <a:ext uri="{FF2B5EF4-FFF2-40B4-BE49-F238E27FC236}">
+                <a16:creationId xmlns:a16="http://schemas.microsoft.com/office/drawing/2014/main" id="{34A9BC34-CFDB-4D7A-8D6C-1CE608D0909F}"/>
+              </a:ext>
+            </a:extLst>
+          </p:cNvPr>
+          <p:cNvSpPr>
+            <a:spLocks noGrp="1"/>
+          </p:cNvSpPr>
+          <p:nvPr>
+            <p:ph type="body" sz="quarter" idx="3"/>
+          </p:nvPr>
+        </p:nvSpPr>
+        <p:spPr>
+          <a:xfrm>
+            <a:off x="7972148" y="1881275"/>
+            <a:ext cx="4048217" cy="555202"/>
+          </a:xfrm>
+        </p:spPr>
+        <p:txBody>
+          <a:bodyPr/>
+          <a:lstStyle/>
+          <a:p>
+            <a:r>
+              <a:rPr lang="en-US" sz="1600" dirty="0"/>
+              <a:t>International governmental organization</a:t>
+            </a:r>
+          </a:p>
+        </p:txBody>
+      </p:sp>
+      <p:sp>
+        <p:nvSpPr>
+          <p:cNvPr id="11" name="Content Placeholder 10">
+            <a:extLst>
+              <a:ext uri="{FF2B5EF4-FFF2-40B4-BE49-F238E27FC236}">
+                <a16:creationId xmlns:a16="http://schemas.microsoft.com/office/drawing/2014/main" id="{1D014E48-5DD9-49CE-AD5B-0FEF69204F68}"/>
+              </a:ext>
+            </a:extLst>
+          </p:cNvPr>
+          <p:cNvSpPr>
+            <a:spLocks noGrp="1"/>
+          </p:cNvSpPr>
+          <p:nvPr>
+            <p:ph sz="quarter" idx="4"/>
+          </p:nvPr>
+        </p:nvSpPr>
+        <p:spPr>
+          <a:xfrm>
+            <a:off x="8168361" y="2565647"/>
+            <a:ext cx="3508755" cy="3391269"/>
+          </a:xfrm>
+        </p:spPr>
+        <p:txBody>
+          <a:bodyPr>
+            <a:normAutofit/>
+          </a:bodyPr>
+          <a:lstStyle/>
+          <a:p>
+            <a:pPr marL="0" lvl="0" indent="0">
+              <a:buNone/>
+            </a:pPr>
+            <a:r>
+              <a:rPr lang="en-US" dirty="0"/>
+              <a:t>The UN Response to three types of aggressive acts:</a:t>
+            </a:r>
+          </a:p>
+          <a:p>
+            <a:pPr lvl="0"/>
+            <a:r>
+              <a:rPr lang="en-US" dirty="0"/>
+              <a:t>A threat to peace</a:t>
+            </a:r>
+          </a:p>
+          <a:p>
+            <a:pPr lvl="0"/>
+            <a:r>
+              <a:rPr lang="en-US" dirty="0"/>
+              <a:t>A breach of the peace</a:t>
+            </a:r>
+          </a:p>
+          <a:p>
+            <a:pPr lvl="0"/>
+            <a:r>
+              <a:rPr lang="en-US" dirty="0"/>
+              <a:t>An act of aggression</a:t>
+            </a:r>
+          </a:p>
+        </p:txBody>
+      </p:sp>
+      <p:sp>
+        <p:nvSpPr>
+          <p:cNvPr id="14" name="Date Placeholder 13">
+            <a:extLst>
+              <a:ext uri="{FF2B5EF4-FFF2-40B4-BE49-F238E27FC236}">
+                <a16:creationId xmlns:a16="http://schemas.microsoft.com/office/drawing/2014/main" id="{D236478C-E242-44E0-8357-C72C9B588CA7}"/>
+              </a:ext>
+            </a:extLst>
+          </p:cNvPr>
+          <p:cNvSpPr>
+            <a:spLocks noGrp="1"/>
+          </p:cNvSpPr>
+          <p:nvPr>
+            <p:ph type="dt" sz="half" idx="10"/>
+          </p:nvPr>
+        </p:nvSpPr>
+        <p:spPr>
+          <a:xfrm>
+            <a:off x="550863" y="6507212"/>
+            <a:ext cx="2628900" cy="153888"/>
+          </a:xfrm>
+        </p:spPr>
+        <p:txBody>
+          <a:bodyPr/>
+          <a:lstStyle/>
+          <a:p>
+            <a:fld id="{2DB0C850-7869-4950-94C3-0A5408435131}" type="datetime1">
+              <a:rPr lang="en-US" smtClean="0"/>
+              <a:t>9/14/2022</a:t>
+            </a:fld>
+            <a:endParaRPr lang="en-US" dirty="0"/>
+          </a:p>
+        </p:txBody>
+      </p:sp>
+      <p:sp>
+        <p:nvSpPr>
+          <p:cNvPr id="15" name="Footer Placeholder 14">
+            <a:extLst>
+              <a:ext uri="{FF2B5EF4-FFF2-40B4-BE49-F238E27FC236}">
+                <a16:creationId xmlns:a16="http://schemas.microsoft.com/office/drawing/2014/main" id="{65A6DC02-681E-4AF7-AC6E-57CDDB2FBA28}"/>
+              </a:ext>
+            </a:extLst>
+          </p:cNvPr>
+          <p:cNvSpPr>
+            <a:spLocks noGrp="1"/>
+          </p:cNvSpPr>
+          <p:nvPr>
+            <p:ph type="ftr" sz="quarter" idx="11"/>
+          </p:nvPr>
+        </p:nvSpPr>
+        <p:spPr>
+          <a:xfrm>
+            <a:off x="3359150" y="6507212"/>
+            <a:ext cx="6379210" cy="153888"/>
+          </a:xfrm>
+        </p:spPr>
+        <p:txBody>
+          <a:bodyPr/>
+          <a:lstStyle/>
+          <a:p>
+            <a:r>
+              <a:rPr lang="en-US"/>
+              <a:t>Tallinn Manual</a:t>
+            </a:r>
+          </a:p>
+        </p:txBody>
+      </p:sp>
+      <p:sp>
+        <p:nvSpPr>
+          <p:cNvPr id="16" name="Slide Number Placeholder 15">
+            <a:extLst>
+              <a:ext uri="{FF2B5EF4-FFF2-40B4-BE49-F238E27FC236}">
+                <a16:creationId xmlns:a16="http://schemas.microsoft.com/office/drawing/2014/main" id="{CF0A8666-4477-461C-A79D-E91232EE973E}"/>
+              </a:ext>
+            </a:extLst>
+          </p:cNvPr>
+          <p:cNvSpPr>
+            <a:spLocks noGrp="1"/>
+          </p:cNvSpPr>
+          <p:nvPr>
+            <p:ph type="sldNum" sz="quarter" idx="12"/>
+          </p:nvPr>
+        </p:nvSpPr>
+        <p:spPr>
+          <a:xfrm>
+            <a:off x="9948863" y="6507212"/>
+            <a:ext cx="1692274" cy="153888"/>
+          </a:xfrm>
+        </p:spPr>
+        <p:txBody>
+          <a:bodyPr/>
+          <a:lstStyle/>
+          <a:p>
+            <a:fld id="{DBA1B0FB-D917-4C8C-928F-313BD683BF39}" type="slidenum">
+              <a:rPr lang="en-US" smtClean="0"/>
+              <a:pPr/>
+              <a:t>8</a:t>
+            </a:fld>
+            <a:endParaRPr lang="en-US"/>
+          </a:p>
+        </p:txBody>
+      </p:sp>
+    </p:spTree>
+    <p:extLst>
+      <p:ext uri="{BB962C8B-B14F-4D97-AF65-F5344CB8AC3E}">
+        <p14:creationId xmlns:p14="http://schemas.microsoft.com/office/powerpoint/2010/main" val="3062413221"/>
+      </p:ext>
+    </p:extLst>
+  </p:cSld>
+  <p:clrMapOvr>
+    <a:masterClrMapping/>
+  </p:clrMapOvr>
+</p:sld>
+</file>
+
+<file path=ppt/slides/slide9.xml><?xml version="1.0" encoding="utf-8"?>
+<p:sld xmlns:a="http://schemas.openxmlformats.org/drawingml/2006/main" xmlns:r="http://schemas.openxmlformats.org/officeDocument/2006/relationships" xmlns:p="http://schemas.openxmlformats.org/presentationml/2006/main">
+  <p:cSld>
+    <p:spTree>
+      <p:nvGrpSpPr>
+        <p:cNvPr id="1" name=""/>
+        <p:cNvGrpSpPr/>
+        <p:nvPr/>
+      </p:nvGrpSpPr>
+      <p:grpSpPr>
+        <a:xfrm>
+          <a:off x="0" y="0"/>
+          <a:ext cx="0" cy="0"/>
+          <a:chOff x="0" y="0"/>
+          <a:chExt cx="0" cy="0"/>
+        </a:xfrm>
+      </p:grpSpPr>
+      <p:sp>
+        <p:nvSpPr>
+          <p:cNvPr id="7" name="Title 6">
+            <a:extLst>
+              <a:ext uri="{FF2B5EF4-FFF2-40B4-BE49-F238E27FC236}">
+                <a16:creationId xmlns:a16="http://schemas.microsoft.com/office/drawing/2014/main" id="{47788B34-4190-4916-9048-47720EA5ABF1}"/>
+              </a:ext>
+            </a:extLst>
+          </p:cNvPr>
+          <p:cNvSpPr>
+            <a:spLocks noGrp="1"/>
+          </p:cNvSpPr>
+          <p:nvPr>
+            <p:ph type="title"/>
+          </p:nvPr>
+        </p:nvSpPr>
+        <p:spPr>
+          <a:xfrm>
+            <a:off x="550862" y="549275"/>
+            <a:ext cx="11097551" cy="1332000"/>
+          </a:xfrm>
+        </p:spPr>
+        <p:txBody>
+          <a:bodyPr/>
+          <a:lstStyle/>
+          <a:p>
+            <a:r>
+              <a:rPr lang="en-US" dirty="0"/>
+              <a:t>Major Parts and Sections (cont.)</a:t>
+            </a:r>
+          </a:p>
+        </p:txBody>
+      </p:sp>
+      <p:sp>
+        <p:nvSpPr>
+          <p:cNvPr id="8" name="Text Placeholder 7">
+            <a:extLst>
+              <a:ext uri="{FF2B5EF4-FFF2-40B4-BE49-F238E27FC236}">
+                <a16:creationId xmlns:a16="http://schemas.microsoft.com/office/drawing/2014/main" id="{ABA415A0-3B77-43FB-A408-5F1DA4B0AAFA}"/>
+              </a:ext>
+            </a:extLst>
+          </p:cNvPr>
+          <p:cNvSpPr>
+            <a:spLocks noGrp="1"/>
+          </p:cNvSpPr>
+          <p:nvPr>
+            <p:ph type="body" idx="1"/>
+          </p:nvPr>
+        </p:nvSpPr>
+        <p:spPr>
+          <a:xfrm>
+            <a:off x="550864" y="1731375"/>
+            <a:ext cx="3563936" cy="535354"/>
+          </a:xfrm>
+        </p:spPr>
+        <p:txBody>
+          <a:bodyPr/>
+          <a:lstStyle/>
+          <a:p>
+            <a:r>
+              <a:rPr lang="en-US" sz="1600" dirty="0"/>
+              <a:t>Civilians and infrastructure</a:t>
+            </a:r>
+          </a:p>
+        </p:txBody>
+      </p:sp>
+      <p:sp>
+        <p:nvSpPr>
+          <p:cNvPr id="9" name="Content Placeholder 8">
+            <a:extLst>
+              <a:ext uri="{FF2B5EF4-FFF2-40B4-BE49-F238E27FC236}">
+                <a16:creationId xmlns:a16="http://schemas.microsoft.com/office/drawing/2014/main" id="{8598ECEC-4413-4244-8F21-0076EC511806}"/>
+              </a:ext>
+            </a:extLst>
+          </p:cNvPr>
+          <p:cNvSpPr>
+            <a:spLocks noGrp="1"/>
+          </p:cNvSpPr>
+          <p:nvPr>
+            <p:ph sz="half" idx="2"/>
+          </p:nvPr>
+        </p:nvSpPr>
+        <p:spPr>
+          <a:xfrm>
+            <a:off x="559476" y="2432304"/>
+            <a:ext cx="3563936" cy="3515555"/>
+          </a:xfrm>
+        </p:spPr>
+        <p:txBody>
+          <a:bodyPr>
+            <a:normAutofit/>
+          </a:bodyPr>
+          <a:lstStyle/>
+          <a:p>
+            <a:r>
+              <a:rPr lang="en-US" dirty="0"/>
+              <a:t>Civilian infrastructure must be protected from direct attack (against the objects indispensable to the survival of the population such as cyberinfrastructure that support survival, such as water supply and electricity generation)</a:t>
+            </a:r>
+          </a:p>
+        </p:txBody>
+      </p:sp>
+      <p:sp>
+        <p:nvSpPr>
+          <p:cNvPr id="12" name="Text Placeholder 11">
+            <a:extLst>
+              <a:ext uri="{FF2B5EF4-FFF2-40B4-BE49-F238E27FC236}">
+                <a16:creationId xmlns:a16="http://schemas.microsoft.com/office/drawing/2014/main" id="{3A63626D-0E6E-4023-ABFC-A744C9862159}"/>
+              </a:ext>
+            </a:extLst>
+          </p:cNvPr>
+          <p:cNvSpPr>
+            <a:spLocks noGrp="1"/>
+          </p:cNvSpPr>
+          <p:nvPr>
+            <p:ph type="body" sz="quarter" idx="13"/>
+          </p:nvPr>
+        </p:nvSpPr>
+        <p:spPr>
+          <a:xfrm>
+            <a:off x="4341573" y="1731375"/>
+            <a:ext cx="3566160" cy="535354"/>
+          </a:xfrm>
+        </p:spPr>
+        <p:txBody>
+          <a:bodyPr/>
+          <a:lstStyle/>
+          <a:p>
+            <a:r>
+              <a:rPr lang="en-US" sz="1600" dirty="0"/>
+              <a:t>Civilian and military use of the internet</a:t>
+            </a:r>
+          </a:p>
+        </p:txBody>
+      </p:sp>
+      <p:sp>
+        <p:nvSpPr>
+          <p:cNvPr id="13" name="Content Placeholder 12">
+            <a:extLst>
+              <a:ext uri="{FF2B5EF4-FFF2-40B4-BE49-F238E27FC236}">
+                <a16:creationId xmlns:a16="http://schemas.microsoft.com/office/drawing/2014/main" id="{258E9390-685C-4BAD-BFAD-EC56E81C4745}"/>
+              </a:ext>
+            </a:extLst>
+          </p:cNvPr>
+          <p:cNvSpPr>
+            <a:spLocks noGrp="1"/>
+          </p:cNvSpPr>
+          <p:nvPr>
+            <p:ph sz="quarter" idx="14"/>
+          </p:nvPr>
+        </p:nvSpPr>
+        <p:spPr>
+          <a:xfrm>
+            <a:off x="4341573" y="2427370"/>
+            <a:ext cx="3508755" cy="3515555"/>
+          </a:xfrm>
+        </p:spPr>
+        <p:txBody>
+          <a:bodyPr>
+            <a:normAutofit/>
+          </a:bodyPr>
+          <a:lstStyle/>
+          <a:p>
+            <a:pPr lvl="0"/>
+            <a:r>
+              <a:rPr lang="en-US" dirty="0"/>
+              <a:t>The use of the same communication system, roads, bridges, and other physical infrastructure in wartime. In cyber warfare, shared use of network and internet resources is a concern</a:t>
+            </a:r>
+          </a:p>
+        </p:txBody>
+      </p:sp>
+      <p:sp>
+        <p:nvSpPr>
+          <p:cNvPr id="10" name="Text Placeholder 9">
+            <a:extLst>
+              <a:ext uri="{FF2B5EF4-FFF2-40B4-BE49-F238E27FC236}">
+                <a16:creationId xmlns:a16="http://schemas.microsoft.com/office/drawing/2014/main" id="{34A9BC34-CFDB-4D7A-8D6C-1CE608D0909F}"/>
+              </a:ext>
+            </a:extLst>
+          </p:cNvPr>
+          <p:cNvSpPr>
+            <a:spLocks noGrp="1"/>
+          </p:cNvSpPr>
+          <p:nvPr>
+            <p:ph type="body" sz="quarter" idx="3"/>
+          </p:nvPr>
+        </p:nvSpPr>
+        <p:spPr>
+          <a:xfrm>
+            <a:off x="8134506" y="1731375"/>
+            <a:ext cx="3855490" cy="257223"/>
+          </a:xfrm>
+        </p:spPr>
+        <p:txBody>
+          <a:bodyPr/>
+          <a:lstStyle/>
+          <a:p>
+            <a:pPr algn="ctr"/>
+            <a:r>
+              <a:rPr lang="en-US" sz="1600" dirty="0"/>
+              <a:t>Prohibited targets</a:t>
+            </a:r>
+          </a:p>
+        </p:txBody>
+      </p:sp>
+      <p:sp>
+        <p:nvSpPr>
+          <p:cNvPr id="11" name="Content Placeholder 10">
+            <a:extLst>
+              <a:ext uri="{FF2B5EF4-FFF2-40B4-BE49-F238E27FC236}">
+                <a16:creationId xmlns:a16="http://schemas.microsoft.com/office/drawing/2014/main" id="{1D014E48-5DD9-49CE-AD5B-0FEF69204F68}"/>
+              </a:ext>
+            </a:extLst>
+          </p:cNvPr>
+          <p:cNvSpPr>
+            <a:spLocks noGrp="1"/>
+          </p:cNvSpPr>
+          <p:nvPr>
+            <p:ph sz="quarter" idx="4"/>
+          </p:nvPr>
+        </p:nvSpPr>
+        <p:spPr>
+          <a:xfrm>
+            <a:off x="8168361" y="2427371"/>
+            <a:ext cx="3821635" cy="3529546"/>
+          </a:xfrm>
+        </p:spPr>
+        <p:txBody>
+          <a:bodyPr>
+            <a:normAutofit/>
+          </a:bodyPr>
+          <a:lstStyle/>
+          <a:p>
+            <a:pPr lvl="0"/>
+            <a:r>
+              <a:rPr lang="en-US" dirty="0"/>
+              <a:t>The Geneva Conventions define several prohibited targets:</a:t>
+            </a:r>
+          </a:p>
+          <a:p>
+            <a:pPr lvl="1"/>
+            <a:r>
+              <a:rPr lang="en-US" dirty="0"/>
+              <a:t>Children</a:t>
+            </a:r>
+          </a:p>
+          <a:p>
+            <a:pPr lvl="1"/>
+            <a:r>
+              <a:rPr lang="en-US" dirty="0"/>
+              <a:t>Journalist (engage in professional mission in armed conflicts)</a:t>
+            </a:r>
+          </a:p>
+          <a:p>
+            <a:pPr lvl="1"/>
+            <a:r>
+              <a:rPr lang="en-US" dirty="0"/>
+              <a:t>Medical and religious personal and material are protected</a:t>
+            </a:r>
+          </a:p>
+          <a:p>
+            <a:pPr lvl="1"/>
+            <a:r>
+              <a:rPr lang="en-US" dirty="0"/>
+              <a:t>Natural Environment</a:t>
+            </a:r>
+          </a:p>
+        </p:txBody>
+      </p:sp>
+      <p:sp>
+        <p:nvSpPr>
+          <p:cNvPr id="14" name="Date Placeholder 13">
+            <a:extLst>
+              <a:ext uri="{FF2B5EF4-FFF2-40B4-BE49-F238E27FC236}">
+                <a16:creationId xmlns:a16="http://schemas.microsoft.com/office/drawing/2014/main" id="{D236478C-E242-44E0-8357-C72C9B588CA7}"/>
+              </a:ext>
+            </a:extLst>
+          </p:cNvPr>
+          <p:cNvSpPr>
+            <a:spLocks noGrp="1"/>
+          </p:cNvSpPr>
+          <p:nvPr>
+            <p:ph type="dt" sz="half" idx="10"/>
+          </p:nvPr>
+        </p:nvSpPr>
+        <p:spPr>
+          <a:xfrm>
+            <a:off x="550863" y="6507212"/>
+            <a:ext cx="2628900" cy="153888"/>
+          </a:xfrm>
+        </p:spPr>
+        <p:txBody>
+          <a:bodyPr/>
+          <a:lstStyle/>
+          <a:p>
+            <a:fld id="{2DB0C850-7869-4950-94C3-0A5408435131}" type="datetime1">
+              <a:rPr lang="en-US" smtClean="0"/>
+              <a:t>9/14/2022</a:t>
+            </a:fld>
+            <a:endParaRPr lang="en-US" dirty="0"/>
+          </a:p>
+        </p:txBody>
+      </p:sp>
+      <p:sp>
+        <p:nvSpPr>
+          <p:cNvPr id="15" name="Footer Placeholder 14">
+            <a:extLst>
+              <a:ext uri="{FF2B5EF4-FFF2-40B4-BE49-F238E27FC236}">
+                <a16:creationId xmlns:a16="http://schemas.microsoft.com/office/drawing/2014/main" id="{65A6DC02-681E-4AF7-AC6E-57CDDB2FBA28}"/>
+              </a:ext>
+            </a:extLst>
+          </p:cNvPr>
+          <p:cNvSpPr>
+            <a:spLocks noGrp="1"/>
+          </p:cNvSpPr>
+          <p:nvPr>
+            <p:ph type="ftr" sz="quarter" idx="11"/>
+          </p:nvPr>
+        </p:nvSpPr>
+        <p:spPr>
+          <a:xfrm>
+            <a:off x="3359150" y="6507212"/>
+            <a:ext cx="6379210" cy="153888"/>
+          </a:xfrm>
+        </p:spPr>
+        <p:txBody>
+          <a:bodyPr/>
+          <a:lstStyle/>
+          <a:p>
+            <a:r>
+              <a:rPr lang="en-US"/>
+              <a:t>Tallinn Manual</a:t>
+            </a:r>
+          </a:p>
+        </p:txBody>
+      </p:sp>
+      <p:sp>
+        <p:nvSpPr>
+          <p:cNvPr id="16" name="Slide Number Placeholder 15">
+            <a:extLst>
+              <a:ext uri="{FF2B5EF4-FFF2-40B4-BE49-F238E27FC236}">
+                <a16:creationId xmlns:a16="http://schemas.microsoft.com/office/drawing/2014/main" id="{CF0A8666-4477-461C-A79D-E91232EE973E}"/>
+              </a:ext>
+            </a:extLst>
+          </p:cNvPr>
+          <p:cNvSpPr>
+            <a:spLocks noGrp="1"/>
+          </p:cNvSpPr>
+          <p:nvPr>
+            <p:ph type="sldNum" sz="quarter" idx="12"/>
+          </p:nvPr>
+        </p:nvSpPr>
+        <p:spPr>
+          <a:xfrm>
+            <a:off x="9948863" y="6507212"/>
+            <a:ext cx="1692274" cy="153888"/>
+          </a:xfrm>
+        </p:spPr>
+        <p:txBody>
+          <a:bodyPr/>
+          <a:lstStyle/>
+          <a:p>
+            <a:fld id="{DBA1B0FB-D917-4C8C-928F-313BD683BF39}" type="slidenum">
+              <a:rPr lang="en-US" smtClean="0"/>
+              <a:pPr/>
+              <a:t>9</a:t>
+            </a:fld>
+            <a:endParaRPr lang="en-US"/>
+          </a:p>
+        </p:txBody>
+      </p:sp>
+    </p:spTree>
+    <p:extLst>
+      <p:ext uri="{BB962C8B-B14F-4D97-AF65-F5344CB8AC3E}">
+        <p14:creationId xmlns:p14="http://schemas.microsoft.com/office/powerpoint/2010/main" val="2394793427"/>
       </p:ext>
     </p:extLst>
   </p:cSld>
@@ -15986,34 +18013,6 @@
 </file>
 
 <file path=customXml/item1.xml><?xml version="1.0" encoding="utf-8"?>
-<p:properties xmlns:p="http://schemas.microsoft.com/office/2006/metadata/properties" xmlns:xsi="http://www.w3.org/2001/XMLSchema-instance" xmlns:pc="http://schemas.microsoft.com/office/infopath/2007/PartnerControls">
-  <documentManagement>
-    <_ip_UnifiedCompliancePolicyUIAction xmlns="http://schemas.microsoft.com/sharepoint/v3" xsi:nil="true"/>
-    <Image xmlns="71af3243-3dd4-4a8d-8c0d-dd76da1f02a5">
-      <Url xsi:nil="true"/>
-      <Description xsi:nil="true"/>
-    </Image>
-    <Status xmlns="71af3243-3dd4-4a8d-8c0d-dd76da1f02a5">Not started</Status>
-    <_ip_UnifiedCompliancePolicyProperties xmlns="http://schemas.microsoft.com/sharepoint/v3" xsi:nil="true"/>
-    <lcf76f155ced4ddcb4097134ff3c332f xmlns="71af3243-3dd4-4a8d-8c0d-dd76da1f02a5">
-      <Terms xmlns="http://schemas.microsoft.com/office/infopath/2007/PartnerControls"/>
-    </lcf76f155ced4ddcb4097134ff3c332f>
-    <TaxCatchAll xmlns="230e9df3-be65-4c73-a93b-d1236ebd677e"/>
-    <MediaServiceKeyPoints xmlns="71af3243-3dd4-4a8d-8c0d-dd76da1f02a5" xsi:nil="true"/>
-  </documentManagement>
-</p:properties>
-</file>
-
-<file path=customXml/item2.xml><?xml version="1.0" encoding="utf-8"?>
-<?mso-contentType ?>
-<FormTemplates xmlns="http://schemas.microsoft.com/sharepoint/v3/contenttype/forms">
-  <Display>DocumentLibraryForm</Display>
-  <Edit>DocumentLibraryForm</Edit>
-  <New>DocumentLibraryForm</New>
-</FormTemplates>
-</file>
-
-<file path=customXml/item3.xml><?xml version="1.0" encoding="utf-8"?>
 <ct:contentTypeSchema xmlns:ct="http://schemas.microsoft.com/office/2006/metadata/contentType" xmlns:ma="http://schemas.microsoft.com/office/2006/metadata/properties/metaAttributes" ct:_="" ma:_="" ma:contentTypeName="Document" ma:contentTypeID="0x01010079F111ED35F8CC479449609E8A0923A6" ma:contentTypeVersion="18" ma:contentTypeDescription="Create a new document." ma:contentTypeScope="" ma:versionID="22a266b9fa9a230c5a512669d8b298c3">
   <xsd:schema xmlns:xsd="http://www.w3.org/2001/XMLSchema" xmlns:xs="http://www.w3.org/2001/XMLSchema" xmlns:p="http://schemas.microsoft.com/office/2006/metadata/properties" xmlns:ns1="http://schemas.microsoft.com/sharepoint/v3" xmlns:ns2="71af3243-3dd4-4a8d-8c0d-dd76da1f02a5" xmlns:ns3="16c05727-aa75-4e4a-9b5f-8a80a1165891" xmlns:ns4="230e9df3-be65-4c73-a93b-d1236ebd677e" targetNamespace="http://schemas.microsoft.com/office/2006/metadata/properties" ma:root="true" ma:fieldsID="eddc33fff6b14141ee5c74a0d29ea6a1" ns1:_="" ns2:_="" ns3:_="" ns4:_="">
     <xsd:import namespace="http://schemas.microsoft.com/sharepoint/v3"/>
@@ -16289,27 +18288,35 @@
 </ct:contentTypeSchema>
 </file>
 
-<file path=customXml/itemProps1.xml><?xml version="1.0" encoding="utf-8"?>
-<ds:datastoreItem xmlns:ds="http://schemas.openxmlformats.org/officeDocument/2006/customXml" ds:itemID="{50811A92-D464-4AC4-A396-BA73B10CEEAC}">
-  <ds:schemaRefs>
-    <ds:schemaRef ds:uri="http://schemas.microsoft.com/office/2006/metadata/properties"/>
-    <ds:schemaRef ds:uri="http://schemas.microsoft.com/office/infopath/2007/PartnerControls"/>
-    <ds:schemaRef ds:uri="http://schemas.microsoft.com/sharepoint/v3"/>
-    <ds:schemaRef ds:uri="71af3243-3dd4-4a8d-8c0d-dd76da1f02a5"/>
-    <ds:schemaRef ds:uri="230e9df3-be65-4c73-a93b-d1236ebd677e"/>
-  </ds:schemaRefs>
-</ds:datastoreItem>
+<file path=customXml/item2.xml><?xml version="1.0" encoding="utf-8"?>
+<?mso-contentType ?>
+<FormTemplates xmlns="http://schemas.microsoft.com/sharepoint/v3/contenttype/forms">
+  <Display>DocumentLibraryForm</Display>
+  <Edit>DocumentLibraryForm</Edit>
+  <New>DocumentLibraryForm</New>
+</FormTemplates>
 </file>
 
-<file path=customXml/itemProps2.xml><?xml version="1.0" encoding="utf-8"?>
-<ds:datastoreItem xmlns:ds="http://schemas.openxmlformats.org/officeDocument/2006/customXml" ds:itemID="{904751AB-E840-446F-8D49-E697067EC887}">
-  <ds:schemaRefs>
-    <ds:schemaRef ds:uri="http://schemas.microsoft.com/sharepoint/v3/contenttype/forms"/>
-  </ds:schemaRefs>
-</ds:datastoreItem>
+<file path=customXml/item3.xml><?xml version="1.0" encoding="utf-8"?>
+<p:properties xmlns:p="http://schemas.microsoft.com/office/2006/metadata/properties" xmlns:xsi="http://www.w3.org/2001/XMLSchema-instance" xmlns:pc="http://schemas.microsoft.com/office/infopath/2007/PartnerControls">
+  <documentManagement>
+    <_ip_UnifiedCompliancePolicyUIAction xmlns="http://schemas.microsoft.com/sharepoint/v3" xsi:nil="true"/>
+    <Image xmlns="71af3243-3dd4-4a8d-8c0d-dd76da1f02a5">
+      <Url xsi:nil="true"/>
+      <Description xsi:nil="true"/>
+    </Image>
+    <Status xmlns="71af3243-3dd4-4a8d-8c0d-dd76da1f02a5">Not started</Status>
+    <_ip_UnifiedCompliancePolicyProperties xmlns="http://schemas.microsoft.com/sharepoint/v3" xsi:nil="true"/>
+    <lcf76f155ced4ddcb4097134ff3c332f xmlns="71af3243-3dd4-4a8d-8c0d-dd76da1f02a5">
+      <Terms xmlns="http://schemas.microsoft.com/office/infopath/2007/PartnerControls"/>
+    </lcf76f155ced4ddcb4097134ff3c332f>
+    <TaxCatchAll xmlns="230e9df3-be65-4c73-a93b-d1236ebd677e"/>
+    <MediaServiceKeyPoints xmlns="71af3243-3dd4-4a8d-8c0d-dd76da1f02a5" xsi:nil="true"/>
+  </documentManagement>
+</p:properties>
 </file>
 
-<file path=customXml/itemProps3.xml><?xml version="1.0" encoding="utf-8"?>
+<file path=customXml/itemProps1.xml><?xml version="1.0" encoding="utf-8"?>
 <ds:datastoreItem xmlns:ds="http://schemas.openxmlformats.org/officeDocument/2006/customXml" ds:itemID="{DE4876F9-7AE1-498D-B8FE-1E3AD703D2AF}">
   <ds:schemaRefs>
     <ds:schemaRef ds:uri="http://schemas.microsoft.com/office/2006/metadata/contentType"/>
@@ -16330,6 +18337,26 @@
 </ds:datastoreItem>
 </file>
 
+<file path=customXml/itemProps2.xml><?xml version="1.0" encoding="utf-8"?>
+<ds:datastoreItem xmlns:ds="http://schemas.openxmlformats.org/officeDocument/2006/customXml" ds:itemID="{904751AB-E840-446F-8D49-E697067EC887}">
+  <ds:schemaRefs>
+    <ds:schemaRef ds:uri="http://schemas.microsoft.com/sharepoint/v3/contenttype/forms"/>
+  </ds:schemaRefs>
+</ds:datastoreItem>
+</file>
+
+<file path=customXml/itemProps3.xml><?xml version="1.0" encoding="utf-8"?>
+<ds:datastoreItem xmlns:ds="http://schemas.openxmlformats.org/officeDocument/2006/customXml" ds:itemID="{50811A92-D464-4AC4-A396-BA73B10CEEAC}">
+  <ds:schemaRefs>
+    <ds:schemaRef ds:uri="http://schemas.microsoft.com/office/2006/metadata/properties"/>
+    <ds:schemaRef ds:uri="http://schemas.microsoft.com/office/infopath/2007/PartnerControls"/>
+    <ds:schemaRef ds:uri="http://schemas.microsoft.com/sharepoint/v3"/>
+    <ds:schemaRef ds:uri="71af3243-3dd4-4a8d-8c0d-dd76da1f02a5"/>
+    <ds:schemaRef ds:uri="230e9df3-be65-4c73-a93b-d1236ebd677e"/>
+  </ds:schemaRefs>
+</ds:datastoreItem>
+</file>
+
 <file path=docMetadata/LabelInfo.xml><?xml version="1.0" encoding="utf-8"?>
 <clbl:labelList xmlns:clbl="http://schemas.microsoft.com/office/2020/mipLabelMetadata">
   <clbl:label id="{f42aa342-8706-4288-bd11-ebb85995028c}" enabled="1" method="Standard" siteId="{72f988bf-86f1-41af-91ab-2d7cd011db47}" contentBits="0" removed="0"/>
